--- a/KTS结案_V0.1.pptx
+++ b/KTS结案_V0.1.pptx
@@ -2176,7 +2176,7 @@
           <a:p>
             <a:fld id="{99DFA93F-BEAB-974C-A18D-493308ADF72A}" type="datetimeFigureOut">
               <a:rPr kumimoji="1" lang="zh-CN" altLang="en-US" smtClean="0"/>
-              <a:t>2019/1/4</a:t>
+              <a:t>2019/1/7</a:t>
             </a:fld>
             <a:endParaRPr kumimoji="1" lang="zh-CN" altLang="en-US"/>
           </a:p>
@@ -2341,7 +2341,7 @@
           <a:p>
             <a:fld id="{806ACA4F-51D9-1D45-96F2-345ACC0B4E04}" type="datetimeFigureOut">
               <a:rPr kumimoji="1" lang="zh-CN" altLang="en-US" smtClean="0"/>
-              <a:t>2019/1/4</a:t>
+              <a:t>2019/1/7</a:t>
             </a:fld>
             <a:endParaRPr kumimoji="1" lang="zh-CN" altLang="en-US"/>
           </a:p>
@@ -5351,7 +5351,7 @@
               <a:pPr>
                 <a:defRPr/>
               </a:pPr>
-              <a:t>2019/1/4</a:t>
+              <a:t>2019/1/7</a:t>
             </a:fld>
             <a:endParaRPr lang="zh-CN" altLang="en-US"/>
           </a:p>
@@ -6877,7 +6877,7 @@
               <a:pPr>
                 <a:defRPr/>
               </a:pPr>
-              <a:t>2019/1/4</a:t>
+              <a:t>2019/1/7</a:t>
             </a:fld>
             <a:endParaRPr lang="zh-CN" altLang="en-US"/>
           </a:p>
@@ -14143,7 +14143,7 @@
               </a:ln>
               <a:extLst>
                 <a:ext uri="{91240B29-F687-4f45-9708-019B960494DF}">
-                  <a14:hiddenLine xmlns:p14="http://schemas.microsoft.com/office/powerpoint/2010/main" xmlns:a14="http://schemas.microsoft.com/office/drawing/2010/main" xmlns:a16="http://schemas.microsoft.com/office/drawing/2014/main" xmlns:lc="http://schemas.openxmlformats.org/drawingml/2006/lockedCanvas" xmlns="" w="9525">
+                  <a14:hiddenLine xmlns="" xmlns:lc="http://schemas.openxmlformats.org/drawingml/2006/lockedCanvas" xmlns:a16="http://schemas.microsoft.com/office/drawing/2014/main" xmlns:a14="http://schemas.microsoft.com/office/drawing/2010/main" xmlns:p14="http://schemas.microsoft.com/office/powerpoint/2010/main" w="9525">
                     <a:solidFill>
                       <a:srgbClr val="000000"/>
                     </a:solidFill>
@@ -14292,7 +14292,7 @@
               </a:ln>
               <a:extLst>
                 <a:ext uri="{91240B29-F687-4f45-9708-019B960494DF}">
-                  <a14:hiddenLine xmlns:p14="http://schemas.microsoft.com/office/powerpoint/2010/main" xmlns:a14="http://schemas.microsoft.com/office/drawing/2010/main" xmlns:a16="http://schemas.microsoft.com/office/drawing/2014/main" xmlns:lc="http://schemas.openxmlformats.org/drawingml/2006/lockedCanvas" xmlns="" w="9525">
+                  <a14:hiddenLine xmlns="" xmlns:lc="http://schemas.openxmlformats.org/drawingml/2006/lockedCanvas" xmlns:a16="http://schemas.microsoft.com/office/drawing/2014/main" xmlns:a14="http://schemas.microsoft.com/office/drawing/2010/main" xmlns:p14="http://schemas.microsoft.com/office/powerpoint/2010/main" w="9525">
                     <a:solidFill>
                       <a:srgbClr val="000000"/>
                     </a:solidFill>
@@ -14420,14 +14420,14 @@
               </a:ln>
               <a:extLst>
                 <a:ext uri="{909E8E84-426E-40dd-AFC4-6F175D3DCCD1}">
-                  <a14:hiddenFill xmlns:p14="http://schemas.microsoft.com/office/powerpoint/2010/main" xmlns:a14="http://schemas.microsoft.com/office/drawing/2010/main" xmlns:a16="http://schemas.microsoft.com/office/drawing/2014/main" xmlns:lc="http://schemas.openxmlformats.org/drawingml/2006/lockedCanvas" xmlns="">
+                  <a14:hiddenFill xmlns="" xmlns:lc="http://schemas.openxmlformats.org/drawingml/2006/lockedCanvas" xmlns:a16="http://schemas.microsoft.com/office/drawing/2014/main" xmlns:a14="http://schemas.microsoft.com/office/drawing/2010/main" xmlns:p14="http://schemas.microsoft.com/office/powerpoint/2010/main">
                     <a:solidFill>
                       <a:srgbClr val="FFFFFF"/>
                     </a:solidFill>
                   </a14:hiddenFill>
                 </a:ext>
                 <a:ext uri="{91240B29-F687-4f45-9708-019B960494DF}">
-                  <a14:hiddenLine xmlns:p14="http://schemas.microsoft.com/office/powerpoint/2010/main" xmlns:a14="http://schemas.microsoft.com/office/drawing/2010/main" xmlns:a16="http://schemas.microsoft.com/office/drawing/2014/main" xmlns:lc="http://schemas.openxmlformats.org/drawingml/2006/lockedCanvas" xmlns="" w="9525">
+                  <a14:hiddenLine xmlns="" xmlns:lc="http://schemas.openxmlformats.org/drawingml/2006/lockedCanvas" xmlns:a16="http://schemas.microsoft.com/office/drawing/2014/main" xmlns:a14="http://schemas.microsoft.com/office/drawing/2010/main" xmlns:p14="http://schemas.microsoft.com/office/powerpoint/2010/main" w="9525">
                     <a:solidFill>
                       <a:srgbClr val="000000"/>
                     </a:solidFill>
@@ -14534,7 +14534,7 @@
               </a:ln>
               <a:extLst>
                 <a:ext uri="{91240B29-F687-4f45-9708-019B960494DF}">
-                  <a14:hiddenLine xmlns:p14="http://schemas.microsoft.com/office/powerpoint/2010/main" xmlns:a14="http://schemas.microsoft.com/office/drawing/2010/main" xmlns:a16="http://schemas.microsoft.com/office/drawing/2014/main" xmlns:lc="http://schemas.openxmlformats.org/drawingml/2006/lockedCanvas" xmlns="" w="9525">
+                  <a14:hiddenLine xmlns="" xmlns:lc="http://schemas.openxmlformats.org/drawingml/2006/lockedCanvas" xmlns:a16="http://schemas.microsoft.com/office/drawing/2014/main" xmlns:a14="http://schemas.microsoft.com/office/drawing/2010/main" xmlns:p14="http://schemas.microsoft.com/office/powerpoint/2010/main" w="9525">
                     <a:solidFill>
                       <a:srgbClr val="000000"/>
                     </a:solidFill>
@@ -14638,14 +14638,14 @@
               </a:ln>
               <a:extLst>
                 <a:ext uri="{909E8E84-426E-40dd-AFC4-6F175D3DCCD1}">
-                  <a14:hiddenFill xmlns:p14="http://schemas.microsoft.com/office/powerpoint/2010/main" xmlns:a14="http://schemas.microsoft.com/office/drawing/2010/main" xmlns:a16="http://schemas.microsoft.com/office/drawing/2014/main" xmlns:lc="http://schemas.openxmlformats.org/drawingml/2006/lockedCanvas" xmlns="">
+                  <a14:hiddenFill xmlns="" xmlns:lc="http://schemas.openxmlformats.org/drawingml/2006/lockedCanvas" xmlns:a16="http://schemas.microsoft.com/office/drawing/2014/main" xmlns:a14="http://schemas.microsoft.com/office/drawing/2010/main" xmlns:p14="http://schemas.microsoft.com/office/powerpoint/2010/main">
                     <a:solidFill>
                       <a:srgbClr val="FFFFFF"/>
                     </a:solidFill>
                   </a14:hiddenFill>
                 </a:ext>
                 <a:ext uri="{91240B29-F687-4f45-9708-019B960494DF}">
-                  <a14:hiddenLine xmlns:p14="http://schemas.microsoft.com/office/powerpoint/2010/main" xmlns:a14="http://schemas.microsoft.com/office/drawing/2010/main" xmlns:a16="http://schemas.microsoft.com/office/drawing/2014/main" xmlns:lc="http://schemas.openxmlformats.org/drawingml/2006/lockedCanvas" xmlns="" w="9525">
+                  <a14:hiddenLine xmlns="" xmlns:lc="http://schemas.openxmlformats.org/drawingml/2006/lockedCanvas" xmlns:a16="http://schemas.microsoft.com/office/drawing/2014/main" xmlns:a14="http://schemas.microsoft.com/office/drawing/2010/main" xmlns:p14="http://schemas.microsoft.com/office/powerpoint/2010/main" w="9525">
                     <a:solidFill>
                       <a:srgbClr val="000000"/>
                     </a:solidFill>
@@ -14696,7 +14696,7 @@
               </a:ln>
               <a:extLst>
                 <a:ext uri="{91240B29-F687-4f45-9708-019B960494DF}">
-                  <a14:hiddenLine xmlns:p14="http://schemas.microsoft.com/office/powerpoint/2010/main" xmlns:a14="http://schemas.microsoft.com/office/drawing/2010/main" xmlns:a16="http://schemas.microsoft.com/office/drawing/2014/main" xmlns:lc="http://schemas.openxmlformats.org/drawingml/2006/lockedCanvas" xmlns="" w="9525">
+                  <a14:hiddenLine xmlns="" xmlns:lc="http://schemas.openxmlformats.org/drawingml/2006/lockedCanvas" xmlns:a16="http://schemas.microsoft.com/office/drawing/2014/main" xmlns:a14="http://schemas.microsoft.com/office/drawing/2010/main" xmlns:p14="http://schemas.microsoft.com/office/powerpoint/2010/main" w="9525">
                     <a:solidFill>
                       <a:srgbClr val="000000"/>
                     </a:solidFill>
@@ -14747,7 +14747,7 @@
               </a:ln>
               <a:extLst>
                 <a:ext uri="{91240B29-F687-4f45-9708-019B960494DF}">
-                  <a14:hiddenLine xmlns:p14="http://schemas.microsoft.com/office/powerpoint/2010/main" xmlns:a14="http://schemas.microsoft.com/office/drawing/2010/main" xmlns:a16="http://schemas.microsoft.com/office/drawing/2014/main" xmlns:lc="http://schemas.openxmlformats.org/drawingml/2006/lockedCanvas" xmlns="" w="9525">
+                  <a14:hiddenLine xmlns="" xmlns:lc="http://schemas.openxmlformats.org/drawingml/2006/lockedCanvas" xmlns:a16="http://schemas.microsoft.com/office/drawing/2014/main" xmlns:a14="http://schemas.microsoft.com/office/drawing/2010/main" xmlns:p14="http://schemas.microsoft.com/office/powerpoint/2010/main" w="9525">
                     <a:solidFill>
                       <a:srgbClr val="000000"/>
                     </a:solidFill>
@@ -14798,7 +14798,7 @@
               </a:ln>
               <a:extLst>
                 <a:ext uri="{91240B29-F687-4f45-9708-019B960494DF}">
-                  <a14:hiddenLine xmlns:p14="http://schemas.microsoft.com/office/powerpoint/2010/main" xmlns:a14="http://schemas.microsoft.com/office/drawing/2010/main" xmlns:a16="http://schemas.microsoft.com/office/drawing/2014/main" xmlns:lc="http://schemas.openxmlformats.org/drawingml/2006/lockedCanvas" xmlns="" w="9525">
+                  <a14:hiddenLine xmlns="" xmlns:lc="http://schemas.openxmlformats.org/drawingml/2006/lockedCanvas" xmlns:a16="http://schemas.microsoft.com/office/drawing/2014/main" xmlns:a14="http://schemas.microsoft.com/office/drawing/2010/main" xmlns:p14="http://schemas.microsoft.com/office/powerpoint/2010/main" w="9525">
                     <a:solidFill>
                       <a:srgbClr val="000000"/>
                     </a:solidFill>
@@ -14849,7 +14849,7 @@
               </a:ln>
               <a:extLst>
                 <a:ext uri="{91240B29-F687-4f45-9708-019B960494DF}">
-                  <a14:hiddenLine xmlns:p14="http://schemas.microsoft.com/office/powerpoint/2010/main" xmlns:a14="http://schemas.microsoft.com/office/drawing/2010/main" xmlns:a16="http://schemas.microsoft.com/office/drawing/2014/main" xmlns:lc="http://schemas.openxmlformats.org/drawingml/2006/lockedCanvas" xmlns="" w="9525">
+                  <a14:hiddenLine xmlns="" xmlns:lc="http://schemas.openxmlformats.org/drawingml/2006/lockedCanvas" xmlns:a16="http://schemas.microsoft.com/office/drawing/2014/main" xmlns:a14="http://schemas.microsoft.com/office/drawing/2010/main" xmlns:p14="http://schemas.microsoft.com/office/powerpoint/2010/main" w="9525">
                     <a:solidFill>
                       <a:srgbClr val="000000"/>
                     </a:solidFill>
@@ -14900,7 +14900,7 @@
               </a:ln>
               <a:extLst>
                 <a:ext uri="{91240B29-F687-4f45-9708-019B960494DF}">
-                  <a14:hiddenLine xmlns:p14="http://schemas.microsoft.com/office/powerpoint/2010/main" xmlns:a14="http://schemas.microsoft.com/office/drawing/2010/main" xmlns:a16="http://schemas.microsoft.com/office/drawing/2014/main" xmlns:lc="http://schemas.openxmlformats.org/drawingml/2006/lockedCanvas" xmlns="" w="9525">
+                  <a14:hiddenLine xmlns="" xmlns:lc="http://schemas.openxmlformats.org/drawingml/2006/lockedCanvas" xmlns:a16="http://schemas.microsoft.com/office/drawing/2014/main" xmlns:a14="http://schemas.microsoft.com/office/drawing/2010/main" xmlns:p14="http://schemas.microsoft.com/office/powerpoint/2010/main" w="9525">
                     <a:solidFill>
                       <a:srgbClr val="000000"/>
                     </a:solidFill>
@@ -14951,7 +14951,7 @@
               </a:ln>
               <a:extLst>
                 <a:ext uri="{91240B29-F687-4f45-9708-019B960494DF}">
-                  <a14:hiddenLine xmlns:p14="http://schemas.microsoft.com/office/powerpoint/2010/main" xmlns:a14="http://schemas.microsoft.com/office/drawing/2010/main" xmlns:a16="http://schemas.microsoft.com/office/drawing/2014/main" xmlns:lc="http://schemas.openxmlformats.org/drawingml/2006/lockedCanvas" xmlns="" w="9525">
+                  <a14:hiddenLine xmlns="" xmlns:lc="http://schemas.openxmlformats.org/drawingml/2006/lockedCanvas" xmlns:a16="http://schemas.microsoft.com/office/drawing/2014/main" xmlns:a14="http://schemas.microsoft.com/office/drawing/2010/main" xmlns:p14="http://schemas.microsoft.com/office/powerpoint/2010/main" w="9525">
                     <a:solidFill>
                       <a:srgbClr val="000000"/>
                     </a:solidFill>
@@ -15002,7 +15002,7 @@
               </a:ln>
               <a:extLst>
                 <a:ext uri="{91240B29-F687-4f45-9708-019B960494DF}">
-                  <a14:hiddenLine xmlns:p14="http://schemas.microsoft.com/office/powerpoint/2010/main" xmlns:a14="http://schemas.microsoft.com/office/drawing/2010/main" xmlns:a16="http://schemas.microsoft.com/office/drawing/2014/main" xmlns:lc="http://schemas.openxmlformats.org/drawingml/2006/lockedCanvas" xmlns="" w="9525">
+                  <a14:hiddenLine xmlns="" xmlns:lc="http://schemas.openxmlformats.org/drawingml/2006/lockedCanvas" xmlns:a16="http://schemas.microsoft.com/office/drawing/2014/main" xmlns:a14="http://schemas.microsoft.com/office/drawing/2010/main" xmlns:p14="http://schemas.microsoft.com/office/powerpoint/2010/main" w="9525">
                     <a:solidFill>
                       <a:srgbClr val="000000"/>
                     </a:solidFill>
@@ -15053,7 +15053,7 @@
               </a:ln>
               <a:extLst>
                 <a:ext uri="{91240B29-F687-4f45-9708-019B960494DF}">
-                  <a14:hiddenLine xmlns:p14="http://schemas.microsoft.com/office/powerpoint/2010/main" xmlns:a14="http://schemas.microsoft.com/office/drawing/2010/main" xmlns:a16="http://schemas.microsoft.com/office/drawing/2014/main" xmlns:lc="http://schemas.openxmlformats.org/drawingml/2006/lockedCanvas" xmlns="" w="9525">
+                  <a14:hiddenLine xmlns="" xmlns:lc="http://schemas.openxmlformats.org/drawingml/2006/lockedCanvas" xmlns:a16="http://schemas.microsoft.com/office/drawing/2014/main" xmlns:a14="http://schemas.microsoft.com/office/drawing/2010/main" xmlns:p14="http://schemas.microsoft.com/office/powerpoint/2010/main" w="9525">
                     <a:solidFill>
                       <a:srgbClr val="000000"/>
                     </a:solidFill>
@@ -15104,7 +15104,7 @@
               </a:ln>
               <a:extLst>
                 <a:ext uri="{91240B29-F687-4f45-9708-019B960494DF}">
-                  <a14:hiddenLine xmlns:p14="http://schemas.microsoft.com/office/powerpoint/2010/main" xmlns:a14="http://schemas.microsoft.com/office/drawing/2010/main" xmlns:a16="http://schemas.microsoft.com/office/drawing/2014/main" xmlns:lc="http://schemas.openxmlformats.org/drawingml/2006/lockedCanvas" xmlns="" w="9525">
+                  <a14:hiddenLine xmlns="" xmlns:lc="http://schemas.openxmlformats.org/drawingml/2006/lockedCanvas" xmlns:a16="http://schemas.microsoft.com/office/drawing/2014/main" xmlns:a14="http://schemas.microsoft.com/office/drawing/2010/main" xmlns:p14="http://schemas.microsoft.com/office/powerpoint/2010/main" w="9525">
                     <a:solidFill>
                       <a:srgbClr val="000000"/>
                     </a:solidFill>
@@ -15155,7 +15155,7 @@
               </a:ln>
               <a:extLst>
                 <a:ext uri="{91240B29-F687-4f45-9708-019B960494DF}">
-                  <a14:hiddenLine xmlns:p14="http://schemas.microsoft.com/office/powerpoint/2010/main" xmlns:a14="http://schemas.microsoft.com/office/drawing/2010/main" xmlns:a16="http://schemas.microsoft.com/office/drawing/2014/main" xmlns:lc="http://schemas.openxmlformats.org/drawingml/2006/lockedCanvas" xmlns="" w="9525">
+                  <a14:hiddenLine xmlns="" xmlns:lc="http://schemas.openxmlformats.org/drawingml/2006/lockedCanvas" xmlns:a16="http://schemas.microsoft.com/office/drawing/2014/main" xmlns:a14="http://schemas.microsoft.com/office/drawing/2010/main" xmlns:p14="http://schemas.microsoft.com/office/powerpoint/2010/main" w="9525">
                     <a:solidFill>
                       <a:srgbClr val="000000"/>
                     </a:solidFill>
@@ -15206,7 +15206,7 @@
               </a:ln>
               <a:extLst>
                 <a:ext uri="{91240B29-F687-4f45-9708-019B960494DF}">
-                  <a14:hiddenLine xmlns:p14="http://schemas.microsoft.com/office/powerpoint/2010/main" xmlns:a14="http://schemas.microsoft.com/office/drawing/2010/main" xmlns:a16="http://schemas.microsoft.com/office/drawing/2014/main" xmlns:lc="http://schemas.openxmlformats.org/drawingml/2006/lockedCanvas" xmlns="" w="9525">
+                  <a14:hiddenLine xmlns="" xmlns:lc="http://schemas.openxmlformats.org/drawingml/2006/lockedCanvas" xmlns:a16="http://schemas.microsoft.com/office/drawing/2014/main" xmlns:a14="http://schemas.microsoft.com/office/drawing/2010/main" xmlns:p14="http://schemas.microsoft.com/office/powerpoint/2010/main" w="9525">
                     <a:solidFill>
                       <a:srgbClr val="000000"/>
                     </a:solidFill>
@@ -15297,7 +15297,7 @@
               </a:ln>
               <a:extLst>
                 <a:ext uri="{91240B29-F687-4f45-9708-019B960494DF}">
-                  <a14:hiddenLine xmlns:p14="http://schemas.microsoft.com/office/powerpoint/2010/main" xmlns:a14="http://schemas.microsoft.com/office/drawing/2010/main" xmlns:a16="http://schemas.microsoft.com/office/drawing/2014/main" xmlns:lc="http://schemas.openxmlformats.org/drawingml/2006/lockedCanvas" xmlns="" w="9525">
+                  <a14:hiddenLine xmlns="" xmlns:lc="http://schemas.openxmlformats.org/drawingml/2006/lockedCanvas" xmlns:a16="http://schemas.microsoft.com/office/drawing/2014/main" xmlns:a14="http://schemas.microsoft.com/office/drawing/2010/main" xmlns:p14="http://schemas.microsoft.com/office/powerpoint/2010/main" w="9525">
                     <a:solidFill>
                       <a:srgbClr val="000000"/>
                     </a:solidFill>
@@ -15385,14 +15385,14 @@
               </a:ln>
               <a:extLst>
                 <a:ext uri="{909E8E84-426E-40dd-AFC4-6F175D3DCCD1}">
-                  <a14:hiddenFill xmlns:p14="http://schemas.microsoft.com/office/powerpoint/2010/main" xmlns:a14="http://schemas.microsoft.com/office/drawing/2010/main" xmlns:a16="http://schemas.microsoft.com/office/drawing/2014/main" xmlns:lc="http://schemas.openxmlformats.org/drawingml/2006/lockedCanvas" xmlns="">
+                  <a14:hiddenFill xmlns="" xmlns:lc="http://schemas.openxmlformats.org/drawingml/2006/lockedCanvas" xmlns:a16="http://schemas.microsoft.com/office/drawing/2014/main" xmlns:a14="http://schemas.microsoft.com/office/drawing/2010/main" xmlns:p14="http://schemas.microsoft.com/office/powerpoint/2010/main">
                     <a:solidFill>
                       <a:srgbClr val="FFFFFF"/>
                     </a:solidFill>
                   </a14:hiddenFill>
                 </a:ext>
                 <a:ext uri="{91240B29-F687-4f45-9708-019B960494DF}">
-                  <a14:hiddenLine xmlns:p14="http://schemas.microsoft.com/office/powerpoint/2010/main" xmlns:a14="http://schemas.microsoft.com/office/drawing/2010/main" xmlns:a16="http://schemas.microsoft.com/office/drawing/2014/main" xmlns:lc="http://schemas.openxmlformats.org/drawingml/2006/lockedCanvas" xmlns="" w="9525">
+                  <a14:hiddenLine xmlns="" xmlns:lc="http://schemas.openxmlformats.org/drawingml/2006/lockedCanvas" xmlns:a16="http://schemas.microsoft.com/office/drawing/2014/main" xmlns:a14="http://schemas.microsoft.com/office/drawing/2010/main" xmlns:p14="http://schemas.microsoft.com/office/powerpoint/2010/main" w="9525">
                     <a:solidFill>
                       <a:srgbClr val="000000"/>
                     </a:solidFill>
@@ -15486,7 +15486,7 @@
               </a:ln>
               <a:extLst>
                 <a:ext uri="{91240B29-F687-4f45-9708-019B960494DF}">
-                  <a14:hiddenLine xmlns:p14="http://schemas.microsoft.com/office/powerpoint/2010/main" xmlns:a14="http://schemas.microsoft.com/office/drawing/2010/main" xmlns:a16="http://schemas.microsoft.com/office/drawing/2014/main" xmlns:lc="http://schemas.openxmlformats.org/drawingml/2006/lockedCanvas" xmlns="" w="9525">
+                  <a14:hiddenLine xmlns="" xmlns:lc="http://schemas.openxmlformats.org/drawingml/2006/lockedCanvas" xmlns:a16="http://schemas.microsoft.com/office/drawing/2014/main" xmlns:a14="http://schemas.microsoft.com/office/drawing/2010/main" xmlns:p14="http://schemas.microsoft.com/office/powerpoint/2010/main" w="9525">
                     <a:solidFill>
                       <a:srgbClr val="000000"/>
                     </a:solidFill>
@@ -15534,7 +15534,7 @@
               </a:ln>
               <a:extLst>
                 <a:ext uri="{91240B29-F687-4f45-9708-019B960494DF}">
-                  <a14:hiddenLine xmlns:p14="http://schemas.microsoft.com/office/powerpoint/2010/main" xmlns:a14="http://schemas.microsoft.com/office/drawing/2010/main" xmlns:a16="http://schemas.microsoft.com/office/drawing/2014/main" xmlns:lc="http://schemas.openxmlformats.org/drawingml/2006/lockedCanvas" xmlns="" w="9525">
+                  <a14:hiddenLine xmlns="" xmlns:lc="http://schemas.openxmlformats.org/drawingml/2006/lockedCanvas" xmlns:a16="http://schemas.microsoft.com/office/drawing/2014/main" xmlns:a14="http://schemas.microsoft.com/office/drawing/2010/main" xmlns:p14="http://schemas.microsoft.com/office/powerpoint/2010/main" w="9525">
                     <a:solidFill>
                       <a:srgbClr val="000000"/>
                     </a:solidFill>
@@ -15714,7 +15714,7 @@
               </a:ln>
               <a:extLst>
                 <a:ext uri="{91240B29-F687-4f45-9708-019B960494DF}">
-                  <a14:hiddenLine xmlns:p14="http://schemas.microsoft.com/office/powerpoint/2010/main" xmlns:a14="http://schemas.microsoft.com/office/drawing/2010/main" xmlns:a16="http://schemas.microsoft.com/office/drawing/2014/main" xmlns:lc="http://schemas.openxmlformats.org/drawingml/2006/lockedCanvas" xmlns="" w="9525">
+                  <a14:hiddenLine xmlns="" xmlns:lc="http://schemas.openxmlformats.org/drawingml/2006/lockedCanvas" xmlns:a16="http://schemas.microsoft.com/office/drawing/2014/main" xmlns:a14="http://schemas.microsoft.com/office/drawing/2010/main" xmlns:p14="http://schemas.microsoft.com/office/powerpoint/2010/main" w="9525">
                     <a:solidFill>
                       <a:srgbClr val="000000"/>
                     </a:solidFill>
@@ -15760,7 +15760,7 @@
               </a:ln>
               <a:extLst>
                 <a:ext uri="{91240B29-F687-4f45-9708-019B960494DF}">
-                  <a14:hiddenLine xmlns:p14="http://schemas.microsoft.com/office/powerpoint/2010/main" xmlns:a14="http://schemas.microsoft.com/office/drawing/2010/main" xmlns:a16="http://schemas.microsoft.com/office/drawing/2014/main" xmlns:lc="http://schemas.openxmlformats.org/drawingml/2006/lockedCanvas" xmlns="" w="9525">
+                  <a14:hiddenLine xmlns="" xmlns:lc="http://schemas.openxmlformats.org/drawingml/2006/lockedCanvas" xmlns:a16="http://schemas.microsoft.com/office/drawing/2014/main" xmlns:a14="http://schemas.microsoft.com/office/drawing/2010/main" xmlns:p14="http://schemas.microsoft.com/office/powerpoint/2010/main" w="9525">
                     <a:solidFill>
                       <a:srgbClr val="000000"/>
                     </a:solidFill>
@@ -16009,7 +16009,7 @@
               </a:ln>
               <a:extLst>
                 <a:ext uri="{91240B29-F687-4f45-9708-019B960494DF}">
-                  <a14:hiddenLine xmlns:p14="http://schemas.microsoft.com/office/powerpoint/2010/main" xmlns:a14="http://schemas.microsoft.com/office/drawing/2010/main" xmlns:a16="http://schemas.microsoft.com/office/drawing/2014/main" xmlns:lc="http://schemas.openxmlformats.org/drawingml/2006/lockedCanvas" xmlns="" w="9525">
+                  <a14:hiddenLine xmlns="" xmlns:lc="http://schemas.openxmlformats.org/drawingml/2006/lockedCanvas" xmlns:a16="http://schemas.microsoft.com/office/drawing/2014/main" xmlns:a14="http://schemas.microsoft.com/office/drawing/2010/main" xmlns:p14="http://schemas.microsoft.com/office/powerpoint/2010/main" w="9525">
                     <a:solidFill>
                       <a:srgbClr val="000000"/>
                     </a:solidFill>
@@ -16108,7 +16108,7 @@
               </a:ln>
               <a:extLst>
                 <a:ext uri="{91240B29-F687-4f45-9708-019B960494DF}">
-                  <a14:hiddenLine xmlns:p14="http://schemas.microsoft.com/office/powerpoint/2010/main" xmlns:a14="http://schemas.microsoft.com/office/drawing/2010/main" xmlns:a16="http://schemas.microsoft.com/office/drawing/2014/main" xmlns:lc="http://schemas.openxmlformats.org/drawingml/2006/lockedCanvas" xmlns="" w="9525">
+                  <a14:hiddenLine xmlns="" xmlns:lc="http://schemas.openxmlformats.org/drawingml/2006/lockedCanvas" xmlns:a16="http://schemas.microsoft.com/office/drawing/2014/main" xmlns:a14="http://schemas.microsoft.com/office/drawing/2010/main" xmlns:p14="http://schemas.microsoft.com/office/powerpoint/2010/main" w="9525">
                     <a:solidFill>
                       <a:srgbClr val="000000"/>
                     </a:solidFill>
@@ -16210,7 +16210,7 @@
               </a:ln>
               <a:extLst>
                 <a:ext uri="{91240B29-F687-4f45-9708-019B960494DF}">
-                  <a14:hiddenLine xmlns:p14="http://schemas.microsoft.com/office/powerpoint/2010/main" xmlns:a14="http://schemas.microsoft.com/office/drawing/2010/main" xmlns:a16="http://schemas.microsoft.com/office/drawing/2014/main" xmlns:lc="http://schemas.openxmlformats.org/drawingml/2006/lockedCanvas" xmlns="" w="9525">
+                  <a14:hiddenLine xmlns="" xmlns:lc="http://schemas.openxmlformats.org/drawingml/2006/lockedCanvas" xmlns:a16="http://schemas.microsoft.com/office/drawing/2014/main" xmlns:a14="http://schemas.microsoft.com/office/drawing/2010/main" xmlns:p14="http://schemas.microsoft.com/office/powerpoint/2010/main" w="9525">
                     <a:solidFill>
                       <a:srgbClr val="000000"/>
                     </a:solidFill>
@@ -16330,7 +16330,7 @@
               </a:ln>
               <a:extLst>
                 <a:ext uri="{91240B29-F687-4f45-9708-019B960494DF}">
-                  <a14:hiddenLine xmlns:p14="http://schemas.microsoft.com/office/powerpoint/2010/main" xmlns:a14="http://schemas.microsoft.com/office/drawing/2010/main" xmlns:a16="http://schemas.microsoft.com/office/drawing/2014/main" xmlns:lc="http://schemas.openxmlformats.org/drawingml/2006/lockedCanvas" xmlns="" w="9525">
+                  <a14:hiddenLine xmlns="" xmlns:lc="http://schemas.openxmlformats.org/drawingml/2006/lockedCanvas" xmlns:a16="http://schemas.microsoft.com/office/drawing/2014/main" xmlns:a14="http://schemas.microsoft.com/office/drawing/2010/main" xmlns:p14="http://schemas.microsoft.com/office/powerpoint/2010/main" w="9525">
                     <a:solidFill>
                       <a:srgbClr val="000000"/>
                     </a:solidFill>
@@ -16537,7 +16537,7 @@
               </a:ln>
               <a:extLst>
                 <a:ext uri="{91240B29-F687-4f45-9708-019B960494DF}">
-                  <a14:hiddenLine xmlns:p14="http://schemas.microsoft.com/office/powerpoint/2010/main" xmlns:a14="http://schemas.microsoft.com/office/drawing/2010/main" xmlns:a16="http://schemas.microsoft.com/office/drawing/2014/main" xmlns:lc="http://schemas.openxmlformats.org/drawingml/2006/lockedCanvas" xmlns="" w="9525">
+                  <a14:hiddenLine xmlns="" xmlns:lc="http://schemas.openxmlformats.org/drawingml/2006/lockedCanvas" xmlns:a16="http://schemas.microsoft.com/office/drawing/2014/main" xmlns:a14="http://schemas.microsoft.com/office/drawing/2010/main" xmlns:p14="http://schemas.microsoft.com/office/powerpoint/2010/main" w="9525">
                     <a:solidFill>
                       <a:srgbClr val="000000"/>
                     </a:solidFill>
@@ -16639,7 +16639,7 @@
               </a:ln>
               <a:extLst>
                 <a:ext uri="{91240B29-F687-4f45-9708-019B960494DF}">
-                  <a14:hiddenLine xmlns:p14="http://schemas.microsoft.com/office/powerpoint/2010/main" xmlns:a14="http://schemas.microsoft.com/office/drawing/2010/main" xmlns:a16="http://schemas.microsoft.com/office/drawing/2014/main" xmlns:lc="http://schemas.openxmlformats.org/drawingml/2006/lockedCanvas" xmlns="" w="9525">
+                  <a14:hiddenLine xmlns="" xmlns:lc="http://schemas.openxmlformats.org/drawingml/2006/lockedCanvas" xmlns:a16="http://schemas.microsoft.com/office/drawing/2014/main" xmlns:a14="http://schemas.microsoft.com/office/drawing/2010/main" xmlns:p14="http://schemas.microsoft.com/office/powerpoint/2010/main" w="9525">
                     <a:solidFill>
                       <a:srgbClr val="000000"/>
                     </a:solidFill>

--- a/KTS结案_V0.1.pptx
+++ b/KTS结案_V0.1.pptx
@@ -5,28 +5,27 @@
     <p:sldMasterId id="2147483679" r:id="rId1"/>
   </p:sldMasterIdLst>
   <p:notesMasterIdLst>
-    <p:notesMasterId r:id="rId18"/>
+    <p:notesMasterId r:id="rId17"/>
   </p:notesMasterIdLst>
   <p:handoutMasterIdLst>
-    <p:handoutMasterId r:id="rId19"/>
+    <p:handoutMasterId r:id="rId18"/>
   </p:handoutMasterIdLst>
   <p:sldIdLst>
     <p:sldId id="257" r:id="rId2"/>
     <p:sldId id="258" r:id="rId3"/>
     <p:sldId id="267" r:id="rId4"/>
     <p:sldId id="266" r:id="rId5"/>
-    <p:sldId id="275" r:id="rId6"/>
-    <p:sldId id="268" r:id="rId7"/>
-    <p:sldId id="269" r:id="rId8"/>
-    <p:sldId id="279" r:id="rId9"/>
-    <p:sldId id="277" r:id="rId10"/>
-    <p:sldId id="270" r:id="rId11"/>
-    <p:sldId id="271" r:id="rId12"/>
-    <p:sldId id="272" r:id="rId13"/>
-    <p:sldId id="273" r:id="rId14"/>
-    <p:sldId id="274" r:id="rId15"/>
-    <p:sldId id="278" r:id="rId16"/>
-    <p:sldId id="265" r:id="rId17"/>
+    <p:sldId id="268" r:id="rId6"/>
+    <p:sldId id="269" r:id="rId7"/>
+    <p:sldId id="279" r:id="rId8"/>
+    <p:sldId id="277" r:id="rId9"/>
+    <p:sldId id="270" r:id="rId10"/>
+    <p:sldId id="271" r:id="rId11"/>
+    <p:sldId id="272" r:id="rId12"/>
+    <p:sldId id="273" r:id="rId13"/>
+    <p:sldId id="274" r:id="rId14"/>
+    <p:sldId id="278" r:id="rId15"/>
+    <p:sldId id="265" r:id="rId16"/>
   </p:sldIdLst>
   <p:sldSz cx="12192000" cy="6858000"/>
   <p:notesSz cx="6858000" cy="9144000"/>
@@ -164,7 +163,6 @@
             <p14:sldId id="258"/>
             <p14:sldId id="267"/>
             <p14:sldId id="266"/>
-            <p14:sldId id="275"/>
             <p14:sldId id="268"/>
             <p14:sldId id="269"/>
             <p14:sldId id="279"/>
@@ -2176,7 +2174,7 @@
           <a:p>
             <a:fld id="{99DFA93F-BEAB-974C-A18D-493308ADF72A}" type="datetimeFigureOut">
               <a:rPr kumimoji="1" lang="zh-CN" altLang="en-US" smtClean="0"/>
-              <a:t>2019/1/7</a:t>
+              <a:t>2019/1/9</a:t>
             </a:fld>
             <a:endParaRPr kumimoji="1" lang="zh-CN" altLang="en-US"/>
           </a:p>
@@ -2341,7 +2339,7 @@
           <a:p>
             <a:fld id="{806ACA4F-51D9-1D45-96F2-345ACC0B4E04}" type="datetimeFigureOut">
               <a:rPr kumimoji="1" lang="zh-CN" altLang="en-US" smtClean="0"/>
-              <a:t>2019/1/7</a:t>
+              <a:t>2019/1/9</a:t>
             </a:fld>
             <a:endParaRPr kumimoji="1" lang="zh-CN" altLang="en-US"/>
           </a:p>
@@ -5351,7 +5349,7 @@
               <a:pPr>
                 <a:defRPr/>
               </a:pPr>
-              <a:t>2019/1/7</a:t>
+              <a:t>2019/1/9</a:t>
             </a:fld>
             <a:endParaRPr lang="zh-CN" altLang="en-US"/>
           </a:p>
@@ -6877,7 +6875,7 @@
               <a:pPr>
                 <a:defRPr/>
               </a:pPr>
-              <a:t>2019/1/7</a:t>
+              <a:t>2019/1/9</a:t>
             </a:fld>
             <a:endParaRPr lang="zh-CN" altLang="en-US"/>
           </a:p>
@@ -7558,218 +7556,6 @@
 </file>
 
 <file path=ppt/slides/slide10.xml><?xml version="1.0" encoding="utf-8"?>
-<p:sld xmlns:a="http://schemas.openxmlformats.org/drawingml/2006/main" xmlns:r="http://schemas.openxmlformats.org/officeDocument/2006/relationships" xmlns:p="http://schemas.openxmlformats.org/presentationml/2006/main">
-  <p:cSld>
-    <p:spTree>
-      <p:nvGrpSpPr>
-        <p:cNvPr id="1" name=""/>
-        <p:cNvGrpSpPr/>
-        <p:nvPr/>
-      </p:nvGrpSpPr>
-      <p:grpSpPr>
-        <a:xfrm>
-          <a:off x="0" y="0"/>
-          <a:ext cx="0" cy="0"/>
-          <a:chOff x="0" y="0"/>
-          <a:chExt cx="0" cy="0"/>
-        </a:xfrm>
-      </p:grpSpPr>
-      <p:sp>
-        <p:nvSpPr>
-          <p:cNvPr id="2" name="文本框 1">
-            <a:extLst>
-              <a:ext uri="{FF2B5EF4-FFF2-40B4-BE49-F238E27FC236}">
-                <a16:creationId xmlns:a16="http://schemas.microsoft.com/office/drawing/2014/main" id="{B3F38BD9-1D12-44EA-BDBF-AF07D8AE97CC}"/>
-              </a:ext>
-            </a:extLst>
-          </p:cNvPr>
-          <p:cNvSpPr txBox="1"/>
-          <p:nvPr/>
-        </p:nvSpPr>
-        <p:spPr>
-          <a:xfrm>
-            <a:off x="3900195" y="1940767"/>
-            <a:ext cx="1497526" cy="1569660"/>
-          </a:xfrm>
-          <a:prstGeom prst="rect">
-            <a:avLst/>
-          </a:prstGeom>
-          <a:noFill/>
-        </p:spPr>
-        <p:txBody>
-          <a:bodyPr wrap="none" rtlCol="0">
-            <a:spAutoFit/>
-          </a:bodyPr>
-          <a:lstStyle/>
-          <a:p>
-            <a:r>
-              <a:rPr lang="en-US" altLang="zh-CN" sz="9600" dirty="0">
-                <a:solidFill>
-                  <a:schemeClr val="bg1"/>
-                </a:solidFill>
-                <a:latin typeface="Impact" panose="020B0806030902050204" pitchFamily="34" charset="0"/>
-              </a:rPr>
-              <a:t>03</a:t>
-            </a:r>
-          </a:p>
-        </p:txBody>
-      </p:sp>
-      <p:sp>
-        <p:nvSpPr>
-          <p:cNvPr id="3" name="文本框 2">
-            <a:extLst>
-              <a:ext uri="{FF2B5EF4-FFF2-40B4-BE49-F238E27FC236}">
-                <a16:creationId xmlns:a16="http://schemas.microsoft.com/office/drawing/2014/main" id="{721A70D5-C1CF-4547-8F3C-6CBCC8E47BEF}"/>
-              </a:ext>
-            </a:extLst>
-          </p:cNvPr>
-          <p:cNvSpPr txBox="1"/>
-          <p:nvPr/>
-        </p:nvSpPr>
-        <p:spPr>
-          <a:xfrm>
-            <a:off x="5738326" y="2217765"/>
-            <a:ext cx="3262432" cy="1015663"/>
-          </a:xfrm>
-          <a:prstGeom prst="rect">
-            <a:avLst/>
-          </a:prstGeom>
-          <a:noFill/>
-        </p:spPr>
-        <p:txBody>
-          <a:bodyPr wrap="none" rtlCol="0">
-            <a:spAutoFit/>
-          </a:bodyPr>
-          <a:lstStyle/>
-          <a:p>
-            <a:r>
-              <a:rPr lang="zh-CN" altLang="en-US" sz="6000" dirty="0">
-                <a:latin typeface="造字工房力黑（非商用）常规体" pitchFamily="2" charset="-122"/>
-                <a:ea typeface="造字工房力黑（非商用）常规体" pitchFamily="2" charset="-122"/>
-              </a:rPr>
-              <a:t>项目心得</a:t>
-            </a:r>
-          </a:p>
-        </p:txBody>
-      </p:sp>
-      <p:sp>
-        <p:nvSpPr>
-          <p:cNvPr id="4" name="矩形: 圆角 3">
-            <a:extLst>
-              <a:ext uri="{FF2B5EF4-FFF2-40B4-BE49-F238E27FC236}">
-                <a16:creationId xmlns:a16="http://schemas.microsoft.com/office/drawing/2014/main" id="{0C688A16-7C43-4E71-A474-E1538AFA7F39}"/>
-              </a:ext>
-            </a:extLst>
-          </p:cNvPr>
-          <p:cNvSpPr/>
-          <p:nvPr/>
-        </p:nvSpPr>
-        <p:spPr>
-          <a:xfrm rot="2700000">
-            <a:off x="9432507" y="3523726"/>
-            <a:ext cx="5201746" cy="4563892"/>
-          </a:xfrm>
-          <a:prstGeom prst="roundRect">
-            <a:avLst/>
-          </a:prstGeom>
-          <a:noFill/>
-          <a:ln w="28575">
-            <a:solidFill>
-              <a:srgbClr val="C00000"/>
-            </a:solidFill>
-          </a:ln>
-        </p:spPr>
-        <p:style>
-          <a:lnRef idx="2">
-            <a:schemeClr val="accent1">
-              <a:shade val="50000"/>
-            </a:schemeClr>
-          </a:lnRef>
-          <a:fillRef idx="1">
-            <a:schemeClr val="accent1"/>
-          </a:fillRef>
-          <a:effectRef idx="0">
-            <a:schemeClr val="accent1"/>
-          </a:effectRef>
-          <a:fontRef idx="minor">
-            <a:schemeClr val="lt1"/>
-          </a:fontRef>
-        </p:style>
-        <p:txBody>
-          <a:bodyPr rtlCol="0" anchor="ctr"/>
-          <a:lstStyle/>
-          <a:p>
-            <a:pPr algn="ctr"/>
-            <a:endParaRPr lang="zh-CN" altLang="en-US"/>
-          </a:p>
-        </p:txBody>
-      </p:sp>
-      <p:sp>
-        <p:nvSpPr>
-          <p:cNvPr id="5" name="矩形: 圆角 4">
-            <a:extLst>
-              <a:ext uri="{FF2B5EF4-FFF2-40B4-BE49-F238E27FC236}">
-                <a16:creationId xmlns:a16="http://schemas.microsoft.com/office/drawing/2014/main" id="{B9FB5DB0-8CDB-475D-93C4-166B57BE2A3D}"/>
-              </a:ext>
-            </a:extLst>
-          </p:cNvPr>
-          <p:cNvSpPr/>
-          <p:nvPr/>
-        </p:nvSpPr>
-        <p:spPr>
-          <a:xfrm rot="2700000">
-            <a:off x="9126040" y="5695321"/>
-            <a:ext cx="4093382" cy="3591439"/>
-          </a:xfrm>
-          <a:prstGeom prst="roundRect">
-            <a:avLst/>
-          </a:prstGeom>
-          <a:noFill/>
-          <a:ln w="28575">
-            <a:solidFill>
-              <a:srgbClr val="C00000"/>
-            </a:solidFill>
-          </a:ln>
-        </p:spPr>
-        <p:style>
-          <a:lnRef idx="2">
-            <a:schemeClr val="accent1">
-              <a:shade val="50000"/>
-            </a:schemeClr>
-          </a:lnRef>
-          <a:fillRef idx="1">
-            <a:schemeClr val="accent1"/>
-          </a:fillRef>
-          <a:effectRef idx="0">
-            <a:schemeClr val="accent1"/>
-          </a:effectRef>
-          <a:fontRef idx="minor">
-            <a:schemeClr val="lt1"/>
-          </a:fontRef>
-        </p:style>
-        <p:txBody>
-          <a:bodyPr rtlCol="0" anchor="ctr"/>
-          <a:lstStyle/>
-          <a:p>
-            <a:pPr algn="ctr"/>
-            <a:endParaRPr lang="zh-CN" altLang="en-US"/>
-          </a:p>
-        </p:txBody>
-      </p:sp>
-    </p:spTree>
-    <p:extLst>
-      <p:ext uri="{BB962C8B-B14F-4D97-AF65-F5344CB8AC3E}">
-        <p14:creationId xmlns:p14="http://schemas.microsoft.com/office/powerpoint/2010/main" val="1138946896"/>
-      </p:ext>
-    </p:extLst>
-  </p:cSld>
-  <p:clrMapOvr>
-    <a:masterClrMapping/>
-  </p:clrMapOvr>
-</p:sld>
-</file>
-
-<file path=ppt/slides/slide11.xml><?xml version="1.0" encoding="utf-8"?>
 <p:sld xmlns:a="http://schemas.openxmlformats.org/drawingml/2006/main" xmlns:r="http://schemas.openxmlformats.org/officeDocument/2006/relationships" xmlns:p="http://schemas.openxmlformats.org/presentationml/2006/main">
   <p:cSld>
     <p:spTree>
@@ -10724,7 +10510,7 @@
 </p:sld>
 </file>
 
-<file path=ppt/slides/slide12.xml><?xml version="1.0" encoding="utf-8"?>
+<file path=ppt/slides/slide11.xml><?xml version="1.0" encoding="utf-8"?>
 <p:sld xmlns:a="http://schemas.openxmlformats.org/drawingml/2006/main" xmlns:r="http://schemas.openxmlformats.org/officeDocument/2006/relationships" xmlns:p="http://schemas.openxmlformats.org/presentationml/2006/main">
   <p:cSld>
     <p:spTree>
@@ -13676,7 +13462,7 @@
 </p:sld>
 </file>
 
-<file path=ppt/slides/slide13.xml><?xml version="1.0" encoding="utf-8"?>
+<file path=ppt/slides/slide12.xml><?xml version="1.0" encoding="utf-8"?>
 <p:sld xmlns:a="http://schemas.openxmlformats.org/drawingml/2006/main" xmlns:r="http://schemas.openxmlformats.org/officeDocument/2006/relationships" xmlns:p="http://schemas.openxmlformats.org/presentationml/2006/main">
   <p:cSld>
     <p:spTree>
@@ -13895,7 +13681,7 @@
 </p:sld>
 </file>
 
-<file path=ppt/slides/slide14.xml><?xml version="1.0" encoding="utf-8"?>
+<file path=ppt/slides/slide13.xml><?xml version="1.0" encoding="utf-8"?>
 <p:sld xmlns:a="http://schemas.openxmlformats.org/drawingml/2006/main" xmlns:r="http://schemas.openxmlformats.org/officeDocument/2006/relationships" xmlns:p="http://schemas.openxmlformats.org/presentationml/2006/main">
   <p:cSld>
     <p:spTree>
@@ -14143,7 +13929,7 @@
               </a:ln>
               <a:extLst>
                 <a:ext uri="{91240B29-F687-4f45-9708-019B960494DF}">
-                  <a14:hiddenLine xmlns="" xmlns:lc="http://schemas.openxmlformats.org/drawingml/2006/lockedCanvas" xmlns:a16="http://schemas.microsoft.com/office/drawing/2014/main" xmlns:a14="http://schemas.microsoft.com/office/drawing/2010/main" xmlns:p14="http://schemas.microsoft.com/office/powerpoint/2010/main" w="9525">
+                  <a14:hiddenLine xmlns:p14="http://schemas.microsoft.com/office/powerpoint/2010/main" xmlns:a14="http://schemas.microsoft.com/office/drawing/2010/main" xmlns:a16="http://schemas.microsoft.com/office/drawing/2014/main" xmlns:lc="http://schemas.openxmlformats.org/drawingml/2006/lockedCanvas" xmlns="" w="9525">
                     <a:solidFill>
                       <a:srgbClr val="000000"/>
                     </a:solidFill>
@@ -14292,7 +14078,7 @@
               </a:ln>
               <a:extLst>
                 <a:ext uri="{91240B29-F687-4f45-9708-019B960494DF}">
-                  <a14:hiddenLine xmlns="" xmlns:lc="http://schemas.openxmlformats.org/drawingml/2006/lockedCanvas" xmlns:a16="http://schemas.microsoft.com/office/drawing/2014/main" xmlns:a14="http://schemas.microsoft.com/office/drawing/2010/main" xmlns:p14="http://schemas.microsoft.com/office/powerpoint/2010/main" w="9525">
+                  <a14:hiddenLine xmlns:p14="http://schemas.microsoft.com/office/powerpoint/2010/main" xmlns:a14="http://schemas.microsoft.com/office/drawing/2010/main" xmlns:a16="http://schemas.microsoft.com/office/drawing/2014/main" xmlns:lc="http://schemas.openxmlformats.org/drawingml/2006/lockedCanvas" xmlns="" w="9525">
                     <a:solidFill>
                       <a:srgbClr val="000000"/>
                     </a:solidFill>
@@ -14420,14 +14206,14 @@
               </a:ln>
               <a:extLst>
                 <a:ext uri="{909E8E84-426E-40dd-AFC4-6F175D3DCCD1}">
-                  <a14:hiddenFill xmlns="" xmlns:lc="http://schemas.openxmlformats.org/drawingml/2006/lockedCanvas" xmlns:a16="http://schemas.microsoft.com/office/drawing/2014/main" xmlns:a14="http://schemas.microsoft.com/office/drawing/2010/main" xmlns:p14="http://schemas.microsoft.com/office/powerpoint/2010/main">
+                  <a14:hiddenFill xmlns:p14="http://schemas.microsoft.com/office/powerpoint/2010/main" xmlns:a14="http://schemas.microsoft.com/office/drawing/2010/main" xmlns:a16="http://schemas.microsoft.com/office/drawing/2014/main" xmlns:lc="http://schemas.openxmlformats.org/drawingml/2006/lockedCanvas" xmlns="">
                     <a:solidFill>
                       <a:srgbClr val="FFFFFF"/>
                     </a:solidFill>
                   </a14:hiddenFill>
                 </a:ext>
                 <a:ext uri="{91240B29-F687-4f45-9708-019B960494DF}">
-                  <a14:hiddenLine xmlns="" xmlns:lc="http://schemas.openxmlformats.org/drawingml/2006/lockedCanvas" xmlns:a16="http://schemas.microsoft.com/office/drawing/2014/main" xmlns:a14="http://schemas.microsoft.com/office/drawing/2010/main" xmlns:p14="http://schemas.microsoft.com/office/powerpoint/2010/main" w="9525">
+                  <a14:hiddenLine xmlns:p14="http://schemas.microsoft.com/office/powerpoint/2010/main" xmlns:a14="http://schemas.microsoft.com/office/drawing/2010/main" xmlns:a16="http://schemas.microsoft.com/office/drawing/2014/main" xmlns:lc="http://schemas.openxmlformats.org/drawingml/2006/lockedCanvas" xmlns="" w="9525">
                     <a:solidFill>
                       <a:srgbClr val="000000"/>
                     </a:solidFill>
@@ -14534,7 +14320,7 @@
               </a:ln>
               <a:extLst>
                 <a:ext uri="{91240B29-F687-4f45-9708-019B960494DF}">
-                  <a14:hiddenLine xmlns="" xmlns:lc="http://schemas.openxmlformats.org/drawingml/2006/lockedCanvas" xmlns:a16="http://schemas.microsoft.com/office/drawing/2014/main" xmlns:a14="http://schemas.microsoft.com/office/drawing/2010/main" xmlns:p14="http://schemas.microsoft.com/office/powerpoint/2010/main" w="9525">
+                  <a14:hiddenLine xmlns:p14="http://schemas.microsoft.com/office/powerpoint/2010/main" xmlns:a14="http://schemas.microsoft.com/office/drawing/2010/main" xmlns:a16="http://schemas.microsoft.com/office/drawing/2014/main" xmlns:lc="http://schemas.openxmlformats.org/drawingml/2006/lockedCanvas" xmlns="" w="9525">
                     <a:solidFill>
                       <a:srgbClr val="000000"/>
                     </a:solidFill>
@@ -14638,14 +14424,14 @@
               </a:ln>
               <a:extLst>
                 <a:ext uri="{909E8E84-426E-40dd-AFC4-6F175D3DCCD1}">
-                  <a14:hiddenFill xmlns="" xmlns:lc="http://schemas.openxmlformats.org/drawingml/2006/lockedCanvas" xmlns:a16="http://schemas.microsoft.com/office/drawing/2014/main" xmlns:a14="http://schemas.microsoft.com/office/drawing/2010/main" xmlns:p14="http://schemas.microsoft.com/office/powerpoint/2010/main">
+                  <a14:hiddenFill xmlns:p14="http://schemas.microsoft.com/office/powerpoint/2010/main" xmlns:a14="http://schemas.microsoft.com/office/drawing/2010/main" xmlns:a16="http://schemas.microsoft.com/office/drawing/2014/main" xmlns:lc="http://schemas.openxmlformats.org/drawingml/2006/lockedCanvas" xmlns="">
                     <a:solidFill>
                       <a:srgbClr val="FFFFFF"/>
                     </a:solidFill>
                   </a14:hiddenFill>
                 </a:ext>
                 <a:ext uri="{91240B29-F687-4f45-9708-019B960494DF}">
-                  <a14:hiddenLine xmlns="" xmlns:lc="http://schemas.openxmlformats.org/drawingml/2006/lockedCanvas" xmlns:a16="http://schemas.microsoft.com/office/drawing/2014/main" xmlns:a14="http://schemas.microsoft.com/office/drawing/2010/main" xmlns:p14="http://schemas.microsoft.com/office/powerpoint/2010/main" w="9525">
+                  <a14:hiddenLine xmlns:p14="http://schemas.microsoft.com/office/powerpoint/2010/main" xmlns:a14="http://schemas.microsoft.com/office/drawing/2010/main" xmlns:a16="http://schemas.microsoft.com/office/drawing/2014/main" xmlns:lc="http://schemas.openxmlformats.org/drawingml/2006/lockedCanvas" xmlns="" w="9525">
                     <a:solidFill>
                       <a:srgbClr val="000000"/>
                     </a:solidFill>
@@ -14696,7 +14482,7 @@
               </a:ln>
               <a:extLst>
                 <a:ext uri="{91240B29-F687-4f45-9708-019B960494DF}">
-                  <a14:hiddenLine xmlns="" xmlns:lc="http://schemas.openxmlformats.org/drawingml/2006/lockedCanvas" xmlns:a16="http://schemas.microsoft.com/office/drawing/2014/main" xmlns:a14="http://schemas.microsoft.com/office/drawing/2010/main" xmlns:p14="http://schemas.microsoft.com/office/powerpoint/2010/main" w="9525">
+                  <a14:hiddenLine xmlns:p14="http://schemas.microsoft.com/office/powerpoint/2010/main" xmlns:a14="http://schemas.microsoft.com/office/drawing/2010/main" xmlns:a16="http://schemas.microsoft.com/office/drawing/2014/main" xmlns:lc="http://schemas.openxmlformats.org/drawingml/2006/lockedCanvas" xmlns="" w="9525">
                     <a:solidFill>
                       <a:srgbClr val="000000"/>
                     </a:solidFill>
@@ -14747,7 +14533,7 @@
               </a:ln>
               <a:extLst>
                 <a:ext uri="{91240B29-F687-4f45-9708-019B960494DF}">
-                  <a14:hiddenLine xmlns="" xmlns:lc="http://schemas.openxmlformats.org/drawingml/2006/lockedCanvas" xmlns:a16="http://schemas.microsoft.com/office/drawing/2014/main" xmlns:a14="http://schemas.microsoft.com/office/drawing/2010/main" xmlns:p14="http://schemas.microsoft.com/office/powerpoint/2010/main" w="9525">
+                  <a14:hiddenLine xmlns:p14="http://schemas.microsoft.com/office/powerpoint/2010/main" xmlns:a14="http://schemas.microsoft.com/office/drawing/2010/main" xmlns:a16="http://schemas.microsoft.com/office/drawing/2014/main" xmlns:lc="http://schemas.openxmlformats.org/drawingml/2006/lockedCanvas" xmlns="" w="9525">
                     <a:solidFill>
                       <a:srgbClr val="000000"/>
                     </a:solidFill>
@@ -14798,7 +14584,7 @@
               </a:ln>
               <a:extLst>
                 <a:ext uri="{91240B29-F687-4f45-9708-019B960494DF}">
-                  <a14:hiddenLine xmlns="" xmlns:lc="http://schemas.openxmlformats.org/drawingml/2006/lockedCanvas" xmlns:a16="http://schemas.microsoft.com/office/drawing/2014/main" xmlns:a14="http://schemas.microsoft.com/office/drawing/2010/main" xmlns:p14="http://schemas.microsoft.com/office/powerpoint/2010/main" w="9525">
+                  <a14:hiddenLine xmlns:p14="http://schemas.microsoft.com/office/powerpoint/2010/main" xmlns:a14="http://schemas.microsoft.com/office/drawing/2010/main" xmlns:a16="http://schemas.microsoft.com/office/drawing/2014/main" xmlns:lc="http://schemas.openxmlformats.org/drawingml/2006/lockedCanvas" xmlns="" w="9525">
                     <a:solidFill>
                       <a:srgbClr val="000000"/>
                     </a:solidFill>
@@ -14849,7 +14635,7 @@
               </a:ln>
               <a:extLst>
                 <a:ext uri="{91240B29-F687-4f45-9708-019B960494DF}">
-                  <a14:hiddenLine xmlns="" xmlns:lc="http://schemas.openxmlformats.org/drawingml/2006/lockedCanvas" xmlns:a16="http://schemas.microsoft.com/office/drawing/2014/main" xmlns:a14="http://schemas.microsoft.com/office/drawing/2010/main" xmlns:p14="http://schemas.microsoft.com/office/powerpoint/2010/main" w="9525">
+                  <a14:hiddenLine xmlns:p14="http://schemas.microsoft.com/office/powerpoint/2010/main" xmlns:a14="http://schemas.microsoft.com/office/drawing/2010/main" xmlns:a16="http://schemas.microsoft.com/office/drawing/2014/main" xmlns:lc="http://schemas.openxmlformats.org/drawingml/2006/lockedCanvas" xmlns="" w="9525">
                     <a:solidFill>
                       <a:srgbClr val="000000"/>
                     </a:solidFill>
@@ -14900,7 +14686,7 @@
               </a:ln>
               <a:extLst>
                 <a:ext uri="{91240B29-F687-4f45-9708-019B960494DF}">
-                  <a14:hiddenLine xmlns="" xmlns:lc="http://schemas.openxmlformats.org/drawingml/2006/lockedCanvas" xmlns:a16="http://schemas.microsoft.com/office/drawing/2014/main" xmlns:a14="http://schemas.microsoft.com/office/drawing/2010/main" xmlns:p14="http://schemas.microsoft.com/office/powerpoint/2010/main" w="9525">
+                  <a14:hiddenLine xmlns:p14="http://schemas.microsoft.com/office/powerpoint/2010/main" xmlns:a14="http://schemas.microsoft.com/office/drawing/2010/main" xmlns:a16="http://schemas.microsoft.com/office/drawing/2014/main" xmlns:lc="http://schemas.openxmlformats.org/drawingml/2006/lockedCanvas" xmlns="" w="9525">
                     <a:solidFill>
                       <a:srgbClr val="000000"/>
                     </a:solidFill>
@@ -14951,7 +14737,7 @@
               </a:ln>
               <a:extLst>
                 <a:ext uri="{91240B29-F687-4f45-9708-019B960494DF}">
-                  <a14:hiddenLine xmlns="" xmlns:lc="http://schemas.openxmlformats.org/drawingml/2006/lockedCanvas" xmlns:a16="http://schemas.microsoft.com/office/drawing/2014/main" xmlns:a14="http://schemas.microsoft.com/office/drawing/2010/main" xmlns:p14="http://schemas.microsoft.com/office/powerpoint/2010/main" w="9525">
+                  <a14:hiddenLine xmlns:p14="http://schemas.microsoft.com/office/powerpoint/2010/main" xmlns:a14="http://schemas.microsoft.com/office/drawing/2010/main" xmlns:a16="http://schemas.microsoft.com/office/drawing/2014/main" xmlns:lc="http://schemas.openxmlformats.org/drawingml/2006/lockedCanvas" xmlns="" w="9525">
                     <a:solidFill>
                       <a:srgbClr val="000000"/>
                     </a:solidFill>
@@ -15002,7 +14788,7 @@
               </a:ln>
               <a:extLst>
                 <a:ext uri="{91240B29-F687-4f45-9708-019B960494DF}">
-                  <a14:hiddenLine xmlns="" xmlns:lc="http://schemas.openxmlformats.org/drawingml/2006/lockedCanvas" xmlns:a16="http://schemas.microsoft.com/office/drawing/2014/main" xmlns:a14="http://schemas.microsoft.com/office/drawing/2010/main" xmlns:p14="http://schemas.microsoft.com/office/powerpoint/2010/main" w="9525">
+                  <a14:hiddenLine xmlns:p14="http://schemas.microsoft.com/office/powerpoint/2010/main" xmlns:a14="http://schemas.microsoft.com/office/drawing/2010/main" xmlns:a16="http://schemas.microsoft.com/office/drawing/2014/main" xmlns:lc="http://schemas.openxmlformats.org/drawingml/2006/lockedCanvas" xmlns="" w="9525">
                     <a:solidFill>
                       <a:srgbClr val="000000"/>
                     </a:solidFill>
@@ -15053,7 +14839,7 @@
               </a:ln>
               <a:extLst>
                 <a:ext uri="{91240B29-F687-4f45-9708-019B960494DF}">
-                  <a14:hiddenLine xmlns="" xmlns:lc="http://schemas.openxmlformats.org/drawingml/2006/lockedCanvas" xmlns:a16="http://schemas.microsoft.com/office/drawing/2014/main" xmlns:a14="http://schemas.microsoft.com/office/drawing/2010/main" xmlns:p14="http://schemas.microsoft.com/office/powerpoint/2010/main" w="9525">
+                  <a14:hiddenLine xmlns:p14="http://schemas.microsoft.com/office/powerpoint/2010/main" xmlns:a14="http://schemas.microsoft.com/office/drawing/2010/main" xmlns:a16="http://schemas.microsoft.com/office/drawing/2014/main" xmlns:lc="http://schemas.openxmlformats.org/drawingml/2006/lockedCanvas" xmlns="" w="9525">
                     <a:solidFill>
                       <a:srgbClr val="000000"/>
                     </a:solidFill>
@@ -15104,7 +14890,7 @@
               </a:ln>
               <a:extLst>
                 <a:ext uri="{91240B29-F687-4f45-9708-019B960494DF}">
-                  <a14:hiddenLine xmlns="" xmlns:lc="http://schemas.openxmlformats.org/drawingml/2006/lockedCanvas" xmlns:a16="http://schemas.microsoft.com/office/drawing/2014/main" xmlns:a14="http://schemas.microsoft.com/office/drawing/2010/main" xmlns:p14="http://schemas.microsoft.com/office/powerpoint/2010/main" w="9525">
+                  <a14:hiddenLine xmlns:p14="http://schemas.microsoft.com/office/powerpoint/2010/main" xmlns:a14="http://schemas.microsoft.com/office/drawing/2010/main" xmlns:a16="http://schemas.microsoft.com/office/drawing/2014/main" xmlns:lc="http://schemas.openxmlformats.org/drawingml/2006/lockedCanvas" xmlns="" w="9525">
                     <a:solidFill>
                       <a:srgbClr val="000000"/>
                     </a:solidFill>
@@ -15155,7 +14941,7 @@
               </a:ln>
               <a:extLst>
                 <a:ext uri="{91240B29-F687-4f45-9708-019B960494DF}">
-                  <a14:hiddenLine xmlns="" xmlns:lc="http://schemas.openxmlformats.org/drawingml/2006/lockedCanvas" xmlns:a16="http://schemas.microsoft.com/office/drawing/2014/main" xmlns:a14="http://schemas.microsoft.com/office/drawing/2010/main" xmlns:p14="http://schemas.microsoft.com/office/powerpoint/2010/main" w="9525">
+                  <a14:hiddenLine xmlns:p14="http://schemas.microsoft.com/office/powerpoint/2010/main" xmlns:a14="http://schemas.microsoft.com/office/drawing/2010/main" xmlns:a16="http://schemas.microsoft.com/office/drawing/2014/main" xmlns:lc="http://schemas.openxmlformats.org/drawingml/2006/lockedCanvas" xmlns="" w="9525">
                     <a:solidFill>
                       <a:srgbClr val="000000"/>
                     </a:solidFill>
@@ -15206,7 +14992,7 @@
               </a:ln>
               <a:extLst>
                 <a:ext uri="{91240B29-F687-4f45-9708-019B960494DF}">
-                  <a14:hiddenLine xmlns="" xmlns:lc="http://schemas.openxmlformats.org/drawingml/2006/lockedCanvas" xmlns:a16="http://schemas.microsoft.com/office/drawing/2014/main" xmlns:a14="http://schemas.microsoft.com/office/drawing/2010/main" xmlns:p14="http://schemas.microsoft.com/office/powerpoint/2010/main" w="9525">
+                  <a14:hiddenLine xmlns:p14="http://schemas.microsoft.com/office/powerpoint/2010/main" xmlns:a14="http://schemas.microsoft.com/office/drawing/2010/main" xmlns:a16="http://schemas.microsoft.com/office/drawing/2014/main" xmlns:lc="http://schemas.openxmlformats.org/drawingml/2006/lockedCanvas" xmlns="" w="9525">
                     <a:solidFill>
                       <a:srgbClr val="000000"/>
                     </a:solidFill>
@@ -15297,7 +15083,7 @@
               </a:ln>
               <a:extLst>
                 <a:ext uri="{91240B29-F687-4f45-9708-019B960494DF}">
-                  <a14:hiddenLine xmlns="" xmlns:lc="http://schemas.openxmlformats.org/drawingml/2006/lockedCanvas" xmlns:a16="http://schemas.microsoft.com/office/drawing/2014/main" xmlns:a14="http://schemas.microsoft.com/office/drawing/2010/main" xmlns:p14="http://schemas.microsoft.com/office/powerpoint/2010/main" w="9525">
+                  <a14:hiddenLine xmlns:p14="http://schemas.microsoft.com/office/powerpoint/2010/main" xmlns:a14="http://schemas.microsoft.com/office/drawing/2010/main" xmlns:a16="http://schemas.microsoft.com/office/drawing/2014/main" xmlns:lc="http://schemas.openxmlformats.org/drawingml/2006/lockedCanvas" xmlns="" w="9525">
                     <a:solidFill>
                       <a:srgbClr val="000000"/>
                     </a:solidFill>
@@ -15385,14 +15171,14 @@
               </a:ln>
               <a:extLst>
                 <a:ext uri="{909E8E84-426E-40dd-AFC4-6F175D3DCCD1}">
-                  <a14:hiddenFill xmlns="" xmlns:lc="http://schemas.openxmlformats.org/drawingml/2006/lockedCanvas" xmlns:a16="http://schemas.microsoft.com/office/drawing/2014/main" xmlns:a14="http://schemas.microsoft.com/office/drawing/2010/main" xmlns:p14="http://schemas.microsoft.com/office/powerpoint/2010/main">
+                  <a14:hiddenFill xmlns:p14="http://schemas.microsoft.com/office/powerpoint/2010/main" xmlns:a14="http://schemas.microsoft.com/office/drawing/2010/main" xmlns:a16="http://schemas.microsoft.com/office/drawing/2014/main" xmlns:lc="http://schemas.openxmlformats.org/drawingml/2006/lockedCanvas" xmlns="">
                     <a:solidFill>
                       <a:srgbClr val="FFFFFF"/>
                     </a:solidFill>
                   </a14:hiddenFill>
                 </a:ext>
                 <a:ext uri="{91240B29-F687-4f45-9708-019B960494DF}">
-                  <a14:hiddenLine xmlns="" xmlns:lc="http://schemas.openxmlformats.org/drawingml/2006/lockedCanvas" xmlns:a16="http://schemas.microsoft.com/office/drawing/2014/main" xmlns:a14="http://schemas.microsoft.com/office/drawing/2010/main" xmlns:p14="http://schemas.microsoft.com/office/powerpoint/2010/main" w="9525">
+                  <a14:hiddenLine xmlns:p14="http://schemas.microsoft.com/office/powerpoint/2010/main" xmlns:a14="http://schemas.microsoft.com/office/drawing/2010/main" xmlns:a16="http://schemas.microsoft.com/office/drawing/2014/main" xmlns:lc="http://schemas.openxmlformats.org/drawingml/2006/lockedCanvas" xmlns="" w="9525">
                     <a:solidFill>
                       <a:srgbClr val="000000"/>
                     </a:solidFill>
@@ -15486,7 +15272,7 @@
               </a:ln>
               <a:extLst>
                 <a:ext uri="{91240B29-F687-4f45-9708-019B960494DF}">
-                  <a14:hiddenLine xmlns="" xmlns:lc="http://schemas.openxmlformats.org/drawingml/2006/lockedCanvas" xmlns:a16="http://schemas.microsoft.com/office/drawing/2014/main" xmlns:a14="http://schemas.microsoft.com/office/drawing/2010/main" xmlns:p14="http://schemas.microsoft.com/office/powerpoint/2010/main" w="9525">
+                  <a14:hiddenLine xmlns:p14="http://schemas.microsoft.com/office/powerpoint/2010/main" xmlns:a14="http://schemas.microsoft.com/office/drawing/2010/main" xmlns:a16="http://schemas.microsoft.com/office/drawing/2014/main" xmlns:lc="http://schemas.openxmlformats.org/drawingml/2006/lockedCanvas" xmlns="" w="9525">
                     <a:solidFill>
                       <a:srgbClr val="000000"/>
                     </a:solidFill>
@@ -15534,7 +15320,7 @@
               </a:ln>
               <a:extLst>
                 <a:ext uri="{91240B29-F687-4f45-9708-019B960494DF}">
-                  <a14:hiddenLine xmlns="" xmlns:lc="http://schemas.openxmlformats.org/drawingml/2006/lockedCanvas" xmlns:a16="http://schemas.microsoft.com/office/drawing/2014/main" xmlns:a14="http://schemas.microsoft.com/office/drawing/2010/main" xmlns:p14="http://schemas.microsoft.com/office/powerpoint/2010/main" w="9525">
+                  <a14:hiddenLine xmlns:p14="http://schemas.microsoft.com/office/powerpoint/2010/main" xmlns:a14="http://schemas.microsoft.com/office/drawing/2010/main" xmlns:a16="http://schemas.microsoft.com/office/drawing/2014/main" xmlns:lc="http://schemas.openxmlformats.org/drawingml/2006/lockedCanvas" xmlns="" w="9525">
                     <a:solidFill>
                       <a:srgbClr val="000000"/>
                     </a:solidFill>
@@ -15714,7 +15500,7 @@
               </a:ln>
               <a:extLst>
                 <a:ext uri="{91240B29-F687-4f45-9708-019B960494DF}">
-                  <a14:hiddenLine xmlns="" xmlns:lc="http://schemas.openxmlformats.org/drawingml/2006/lockedCanvas" xmlns:a16="http://schemas.microsoft.com/office/drawing/2014/main" xmlns:a14="http://schemas.microsoft.com/office/drawing/2010/main" xmlns:p14="http://schemas.microsoft.com/office/powerpoint/2010/main" w="9525">
+                  <a14:hiddenLine xmlns:p14="http://schemas.microsoft.com/office/powerpoint/2010/main" xmlns:a14="http://schemas.microsoft.com/office/drawing/2010/main" xmlns:a16="http://schemas.microsoft.com/office/drawing/2014/main" xmlns:lc="http://schemas.openxmlformats.org/drawingml/2006/lockedCanvas" xmlns="" w="9525">
                     <a:solidFill>
                       <a:srgbClr val="000000"/>
                     </a:solidFill>
@@ -15760,7 +15546,7 @@
               </a:ln>
               <a:extLst>
                 <a:ext uri="{91240B29-F687-4f45-9708-019B960494DF}">
-                  <a14:hiddenLine xmlns="" xmlns:lc="http://schemas.openxmlformats.org/drawingml/2006/lockedCanvas" xmlns:a16="http://schemas.microsoft.com/office/drawing/2014/main" xmlns:a14="http://schemas.microsoft.com/office/drawing/2010/main" xmlns:p14="http://schemas.microsoft.com/office/powerpoint/2010/main" w="9525">
+                  <a14:hiddenLine xmlns:p14="http://schemas.microsoft.com/office/powerpoint/2010/main" xmlns:a14="http://schemas.microsoft.com/office/drawing/2010/main" xmlns:a16="http://schemas.microsoft.com/office/drawing/2014/main" xmlns:lc="http://schemas.openxmlformats.org/drawingml/2006/lockedCanvas" xmlns="" w="9525">
                     <a:solidFill>
                       <a:srgbClr val="000000"/>
                     </a:solidFill>
@@ -16009,7 +15795,7 @@
               </a:ln>
               <a:extLst>
                 <a:ext uri="{91240B29-F687-4f45-9708-019B960494DF}">
-                  <a14:hiddenLine xmlns="" xmlns:lc="http://schemas.openxmlformats.org/drawingml/2006/lockedCanvas" xmlns:a16="http://schemas.microsoft.com/office/drawing/2014/main" xmlns:a14="http://schemas.microsoft.com/office/drawing/2010/main" xmlns:p14="http://schemas.microsoft.com/office/powerpoint/2010/main" w="9525">
+                  <a14:hiddenLine xmlns:p14="http://schemas.microsoft.com/office/powerpoint/2010/main" xmlns:a14="http://schemas.microsoft.com/office/drawing/2010/main" xmlns:a16="http://schemas.microsoft.com/office/drawing/2014/main" xmlns:lc="http://schemas.openxmlformats.org/drawingml/2006/lockedCanvas" xmlns="" w="9525">
                     <a:solidFill>
                       <a:srgbClr val="000000"/>
                     </a:solidFill>
@@ -16108,7 +15894,7 @@
               </a:ln>
               <a:extLst>
                 <a:ext uri="{91240B29-F687-4f45-9708-019B960494DF}">
-                  <a14:hiddenLine xmlns="" xmlns:lc="http://schemas.openxmlformats.org/drawingml/2006/lockedCanvas" xmlns:a16="http://schemas.microsoft.com/office/drawing/2014/main" xmlns:a14="http://schemas.microsoft.com/office/drawing/2010/main" xmlns:p14="http://schemas.microsoft.com/office/powerpoint/2010/main" w="9525">
+                  <a14:hiddenLine xmlns:p14="http://schemas.microsoft.com/office/powerpoint/2010/main" xmlns:a14="http://schemas.microsoft.com/office/drawing/2010/main" xmlns:a16="http://schemas.microsoft.com/office/drawing/2014/main" xmlns:lc="http://schemas.openxmlformats.org/drawingml/2006/lockedCanvas" xmlns="" w="9525">
                     <a:solidFill>
                       <a:srgbClr val="000000"/>
                     </a:solidFill>
@@ -16210,7 +15996,7 @@
               </a:ln>
               <a:extLst>
                 <a:ext uri="{91240B29-F687-4f45-9708-019B960494DF}">
-                  <a14:hiddenLine xmlns="" xmlns:lc="http://schemas.openxmlformats.org/drawingml/2006/lockedCanvas" xmlns:a16="http://schemas.microsoft.com/office/drawing/2014/main" xmlns:a14="http://schemas.microsoft.com/office/drawing/2010/main" xmlns:p14="http://schemas.microsoft.com/office/powerpoint/2010/main" w="9525">
+                  <a14:hiddenLine xmlns:p14="http://schemas.microsoft.com/office/powerpoint/2010/main" xmlns:a14="http://schemas.microsoft.com/office/drawing/2010/main" xmlns:a16="http://schemas.microsoft.com/office/drawing/2014/main" xmlns:lc="http://schemas.openxmlformats.org/drawingml/2006/lockedCanvas" xmlns="" w="9525">
                     <a:solidFill>
                       <a:srgbClr val="000000"/>
                     </a:solidFill>
@@ -16330,7 +16116,7 @@
               </a:ln>
               <a:extLst>
                 <a:ext uri="{91240B29-F687-4f45-9708-019B960494DF}">
-                  <a14:hiddenLine xmlns="" xmlns:lc="http://schemas.openxmlformats.org/drawingml/2006/lockedCanvas" xmlns:a16="http://schemas.microsoft.com/office/drawing/2014/main" xmlns:a14="http://schemas.microsoft.com/office/drawing/2010/main" xmlns:p14="http://schemas.microsoft.com/office/powerpoint/2010/main" w="9525">
+                  <a14:hiddenLine xmlns:p14="http://schemas.microsoft.com/office/powerpoint/2010/main" xmlns:a14="http://schemas.microsoft.com/office/drawing/2010/main" xmlns:a16="http://schemas.microsoft.com/office/drawing/2014/main" xmlns:lc="http://schemas.openxmlformats.org/drawingml/2006/lockedCanvas" xmlns="" w="9525">
                     <a:solidFill>
                       <a:srgbClr val="000000"/>
                     </a:solidFill>
@@ -16537,7 +16323,7 @@
               </a:ln>
               <a:extLst>
                 <a:ext uri="{91240B29-F687-4f45-9708-019B960494DF}">
-                  <a14:hiddenLine xmlns="" xmlns:lc="http://schemas.openxmlformats.org/drawingml/2006/lockedCanvas" xmlns:a16="http://schemas.microsoft.com/office/drawing/2014/main" xmlns:a14="http://schemas.microsoft.com/office/drawing/2010/main" xmlns:p14="http://schemas.microsoft.com/office/powerpoint/2010/main" w="9525">
+                  <a14:hiddenLine xmlns:p14="http://schemas.microsoft.com/office/powerpoint/2010/main" xmlns:a14="http://schemas.microsoft.com/office/drawing/2010/main" xmlns:a16="http://schemas.microsoft.com/office/drawing/2014/main" xmlns:lc="http://schemas.openxmlformats.org/drawingml/2006/lockedCanvas" xmlns="" w="9525">
                     <a:solidFill>
                       <a:srgbClr val="000000"/>
                     </a:solidFill>
@@ -16639,7 +16425,7 @@
               </a:ln>
               <a:extLst>
                 <a:ext uri="{91240B29-F687-4f45-9708-019B960494DF}">
-                  <a14:hiddenLine xmlns="" xmlns:lc="http://schemas.openxmlformats.org/drawingml/2006/lockedCanvas" xmlns:a16="http://schemas.microsoft.com/office/drawing/2014/main" xmlns:a14="http://schemas.microsoft.com/office/drawing/2010/main" xmlns:p14="http://schemas.microsoft.com/office/powerpoint/2010/main" w="9525">
+                  <a14:hiddenLine xmlns:p14="http://schemas.microsoft.com/office/powerpoint/2010/main" xmlns:a14="http://schemas.microsoft.com/office/drawing/2010/main" xmlns:a16="http://schemas.microsoft.com/office/drawing/2014/main" xmlns:lc="http://schemas.openxmlformats.org/drawingml/2006/lockedCanvas" xmlns="" w="9525">
                     <a:solidFill>
                       <a:srgbClr val="000000"/>
                     </a:solidFill>
@@ -18513,7 +18299,7 @@
 </p:sld>
 </file>
 
-<file path=ppt/slides/slide15.xml><?xml version="1.0" encoding="utf-8"?>
+<file path=ppt/slides/slide14.xml><?xml version="1.0" encoding="utf-8"?>
 <p:sld xmlns:a="http://schemas.openxmlformats.org/drawingml/2006/main" xmlns:r="http://schemas.openxmlformats.org/officeDocument/2006/relationships" xmlns:p="http://schemas.openxmlformats.org/presentationml/2006/main">
   <p:cSld>
     <p:spTree>
@@ -25467,7 +25253,7 @@
 </p:sld>
 </file>
 
-<file path=ppt/slides/slide16.xml><?xml version="1.0" encoding="utf-8"?>
+<file path=ppt/slides/slide15.xml><?xml version="1.0" encoding="utf-8"?>
 <p:sld xmlns:a="http://schemas.openxmlformats.org/drawingml/2006/main" xmlns:r="http://schemas.openxmlformats.org/officeDocument/2006/relationships" xmlns:p="http://schemas.openxmlformats.org/presentationml/2006/main">
   <p:cSld>
     <p:spTree>
@@ -26008,7 +25794,7 @@
                 <a:latin typeface="造字工房力黑（非商用）常规体" pitchFamily="2" charset="-122"/>
                 <a:ea typeface="造字工房力黑（非商用）常规体" pitchFamily="2" charset="-122"/>
               </a:rPr>
-              <a:t>项目成果</a:t>
+              <a:t>项目分析</a:t>
             </a:r>
           </a:p>
         </p:txBody>
@@ -26046,7 +25832,7 @@
                 <a:latin typeface="造字工房力黑（非商用）常规体" pitchFamily="2" charset="-122"/>
                 <a:ea typeface="造字工房力黑（非商用）常规体" pitchFamily="2" charset="-122"/>
               </a:rPr>
-              <a:t>项目分析</a:t>
+              <a:t>项目成果</a:t>
             </a:r>
           </a:p>
         </p:txBody>
@@ -26474,7 +26260,7 @@
         </p:nvSpPr>
         <p:spPr>
           <a:xfrm>
-            <a:off x="695325" y="3986860"/>
+            <a:off x="695325" y="3812293"/>
             <a:ext cx="1107996" cy="369332"/>
           </a:xfrm>
           <a:prstGeom prst="rect">
@@ -26504,10 +26290,10 @@
       </p:sp>
       <p:sp>
         <p:nvSpPr>
-          <p:cNvPr id="7" name="文本框 6">
+          <p:cNvPr id="8" name="文本框 7">
             <a:extLst>
               <a:ext uri="{FF2B5EF4-FFF2-40B4-BE49-F238E27FC236}">
-                <a16:creationId xmlns:a16="http://schemas.microsoft.com/office/drawing/2014/main" id="{DF27F646-1A8E-4903-AFAC-08050AD87EF9}"/>
+                <a16:creationId xmlns:a16="http://schemas.microsoft.com/office/drawing/2014/main" id="{EFE7CA7A-DE4F-49AB-BD9C-C9EE61F4B157}"/>
               </a:ext>
             </a:extLst>
           </p:cNvPr>
@@ -26516,8 +26302,8 @@
         </p:nvSpPr>
         <p:spPr>
           <a:xfrm>
-            <a:off x="695325" y="5483585"/>
-            <a:ext cx="1107996" cy="369332"/>
+            <a:off x="695325" y="1543063"/>
+            <a:ext cx="543739" cy="307777"/>
           </a:xfrm>
           <a:prstGeom prst="rect">
             <a:avLst/>
@@ -26531,55 +26317,13 @@
           <a:lstStyle/>
           <a:p>
             <a:r>
-              <a:rPr lang="zh-CN" altLang="en-US" dirty="0">
-                <a:latin typeface="造字工房力黑（非商用）常规体" pitchFamily="2" charset="-122"/>
-                <a:ea typeface="造字工房力黑（非商用）常规体" pitchFamily="2" charset="-122"/>
-              </a:rPr>
-              <a:t>直播平台</a:t>
-            </a:r>
-            <a:endParaRPr lang="en-US" altLang="zh-CN" dirty="0">
-              <a:latin typeface="造字工房力黑（非商用）常规体" pitchFamily="2" charset="-122"/>
-              <a:ea typeface="造字工房力黑（非商用）常规体" pitchFamily="2" charset="-122"/>
-            </a:endParaRPr>
-          </a:p>
-        </p:txBody>
-      </p:sp>
-      <p:sp>
-        <p:nvSpPr>
-          <p:cNvPr id="8" name="文本框 7">
-            <a:extLst>
-              <a:ext uri="{FF2B5EF4-FFF2-40B4-BE49-F238E27FC236}">
-                <a16:creationId xmlns:a16="http://schemas.microsoft.com/office/drawing/2014/main" id="{EFE7CA7A-DE4F-49AB-BD9C-C9EE61F4B157}"/>
-              </a:ext>
-            </a:extLst>
-          </p:cNvPr>
-          <p:cNvSpPr txBox="1"/>
-          <p:nvPr/>
-        </p:nvSpPr>
-        <p:spPr>
-          <a:xfrm>
-            <a:off x="695325" y="1559081"/>
-            <a:ext cx="646331" cy="369332"/>
-          </a:xfrm>
-          <a:prstGeom prst="rect">
-            <a:avLst/>
-          </a:prstGeom>
-          <a:noFill/>
-        </p:spPr>
-        <p:txBody>
-          <a:bodyPr wrap="none" rtlCol="0">
-            <a:spAutoFit/>
-          </a:bodyPr>
-          <a:lstStyle/>
-          <a:p>
-            <a:r>
-              <a:rPr lang="zh-CN" altLang="en-US" dirty="0">
+              <a:rPr lang="zh-CN" altLang="en-US" sz="1400" dirty="0">
                 <a:latin typeface="造字工房力黑（非商用）常规体" pitchFamily="2" charset="-122"/>
                 <a:ea typeface="造字工房力黑（非商用）常规体" pitchFamily="2" charset="-122"/>
               </a:rPr>
               <a:t>微博</a:t>
             </a:r>
-            <a:endParaRPr lang="en-US" altLang="zh-CN" dirty="0">
+            <a:endParaRPr lang="en-US" altLang="zh-CN" sz="1400" dirty="0">
               <a:latin typeface="造字工房力黑（非商用）常规体" pitchFamily="2" charset="-122"/>
               <a:ea typeface="造字工房力黑（非商用）常规体" pitchFamily="2" charset="-122"/>
             </a:endParaRPr>
@@ -26600,8 +26344,8 @@
         </p:nvSpPr>
         <p:spPr>
           <a:xfrm>
-            <a:off x="695325" y="1876327"/>
-            <a:ext cx="646331" cy="369332"/>
+            <a:off x="2043013" y="1543063"/>
+            <a:ext cx="543739" cy="307777"/>
           </a:xfrm>
           <a:prstGeom prst="rect">
             <a:avLst/>
@@ -26615,13 +26359,13 @@
           <a:lstStyle/>
           <a:p>
             <a:r>
-              <a:rPr lang="zh-CN" altLang="en-US" dirty="0">
+              <a:rPr lang="zh-CN" altLang="en-US" sz="1400" dirty="0">
                 <a:latin typeface="造字工房力黑（非商用）常规体" pitchFamily="2" charset="-122"/>
                 <a:ea typeface="造字工房力黑（非商用）常规体" pitchFamily="2" charset="-122"/>
               </a:rPr>
               <a:t>贴吧</a:t>
             </a:r>
-            <a:endParaRPr lang="en-US" altLang="zh-CN" dirty="0">
+            <a:endParaRPr lang="en-US" altLang="zh-CN" sz="1400" dirty="0">
               <a:latin typeface="造字工房力黑（非商用）常规体" pitchFamily="2" charset="-122"/>
               <a:ea typeface="造字工房力黑（非商用）常规体" pitchFamily="2" charset="-122"/>
             </a:endParaRPr>
@@ -26642,8 +26386,8 @@
         </p:nvSpPr>
         <p:spPr>
           <a:xfrm>
-            <a:off x="695325" y="2218972"/>
-            <a:ext cx="646331" cy="369332"/>
+            <a:off x="3390701" y="1543063"/>
+            <a:ext cx="543739" cy="307777"/>
           </a:xfrm>
           <a:prstGeom prst="rect">
             <a:avLst/>
@@ -26657,13 +26401,13 @@
           <a:lstStyle/>
           <a:p>
             <a:r>
-              <a:rPr lang="zh-CN" altLang="en-US" dirty="0">
+              <a:rPr lang="zh-CN" altLang="en-US" sz="1400" dirty="0">
                 <a:latin typeface="造字工房力黑（非商用）常规体" pitchFamily="2" charset="-122"/>
                 <a:ea typeface="造字工房力黑（非商用）常规体" pitchFamily="2" charset="-122"/>
               </a:rPr>
               <a:t>微信</a:t>
             </a:r>
-            <a:endParaRPr lang="en-US" altLang="zh-CN" dirty="0">
+            <a:endParaRPr lang="en-US" altLang="zh-CN" sz="1400" dirty="0">
               <a:latin typeface="造字工房力黑（非商用）常规体" pitchFamily="2" charset="-122"/>
               <a:ea typeface="造字工房力黑（非商用）常规体" pitchFamily="2" charset="-122"/>
             </a:endParaRPr>
@@ -26684,8 +26428,8 @@
         </p:nvSpPr>
         <p:spPr>
           <a:xfrm>
-            <a:off x="695325" y="2582955"/>
-            <a:ext cx="705642" cy="369332"/>
+            <a:off x="7433765" y="1543063"/>
+            <a:ext cx="590226" cy="307777"/>
           </a:xfrm>
           <a:prstGeom prst="rect">
             <a:avLst/>
@@ -26699,7 +26443,7 @@
           <a:lstStyle/>
           <a:p>
             <a:r>
-              <a:rPr lang="en-US" altLang="zh-CN" dirty="0">
+              <a:rPr lang="en-US" altLang="zh-CN" sz="1400" dirty="0">
                 <a:latin typeface="造字工房力黑（非商用）常规体" pitchFamily="2" charset="-122"/>
                 <a:ea typeface="造字工房力黑（非商用）常规体" pitchFamily="2" charset="-122"/>
               </a:rPr>
@@ -26722,8 +26466,8 @@
         </p:nvSpPr>
         <p:spPr>
           <a:xfrm>
-            <a:off x="695325" y="2878863"/>
-            <a:ext cx="646331" cy="369332"/>
+            <a:off x="4738389" y="1543063"/>
+            <a:ext cx="543739" cy="307777"/>
           </a:xfrm>
           <a:prstGeom prst="rect">
             <a:avLst/>
@@ -26737,13 +26481,13 @@
           <a:lstStyle/>
           <a:p>
             <a:r>
-              <a:rPr lang="zh-CN" altLang="en-US" dirty="0">
+              <a:rPr lang="zh-CN" altLang="en-US" sz="1400" dirty="0">
                 <a:latin typeface="造字工房力黑（非商用）常规体" pitchFamily="2" charset="-122"/>
                 <a:ea typeface="造字工房力黑（非商用）常规体" pitchFamily="2" charset="-122"/>
               </a:rPr>
               <a:t>虎扑</a:t>
             </a:r>
-            <a:endParaRPr lang="en-US" altLang="zh-CN" dirty="0">
+            <a:endParaRPr lang="en-US" altLang="zh-CN" sz="1400" dirty="0">
               <a:latin typeface="造字工房力黑（非商用）常规体" pitchFamily="2" charset="-122"/>
               <a:ea typeface="造字工房力黑（非商用）常规体" pitchFamily="2" charset="-122"/>
             </a:endParaRPr>
@@ -26764,8 +26508,8 @@
         </p:nvSpPr>
         <p:spPr>
           <a:xfrm>
-            <a:off x="695325" y="4304106"/>
-            <a:ext cx="646331" cy="369332"/>
+            <a:off x="695325" y="4181625"/>
+            <a:ext cx="543739" cy="307777"/>
           </a:xfrm>
           <a:prstGeom prst="rect">
             <a:avLst/>
@@ -26779,13 +26523,13 @@
           <a:lstStyle/>
           <a:p>
             <a:r>
-              <a:rPr lang="zh-CN" altLang="en-US" dirty="0">
+              <a:rPr lang="zh-CN" altLang="en-US" sz="1400" dirty="0">
                 <a:latin typeface="造字工房力黑（非商用）常规体" pitchFamily="2" charset="-122"/>
                 <a:ea typeface="造字工房力黑（非商用）常规体" pitchFamily="2" charset="-122"/>
               </a:rPr>
               <a:t>腾讯</a:t>
             </a:r>
-            <a:endParaRPr lang="en-US" altLang="zh-CN" dirty="0">
+            <a:endParaRPr lang="en-US" altLang="zh-CN" sz="1400" dirty="0">
               <a:latin typeface="造字工房力黑（非商用）常规体" pitchFamily="2" charset="-122"/>
               <a:ea typeface="造字工房力黑（非商用）常规体" pitchFamily="2" charset="-122"/>
             </a:endParaRPr>
@@ -26806,8 +26550,8 @@
         </p:nvSpPr>
         <p:spPr>
           <a:xfrm>
-            <a:off x="695325" y="4593698"/>
-            <a:ext cx="845103" cy="369332"/>
+            <a:off x="4668657" y="4181625"/>
+            <a:ext cx="704039" cy="307777"/>
           </a:xfrm>
           <a:prstGeom prst="rect">
             <a:avLst/>
@@ -26821,13 +26565,13 @@
           <a:lstStyle/>
           <a:p>
             <a:r>
-              <a:rPr lang="en-US" altLang="zh-CN" dirty="0" err="1">
+              <a:rPr lang="en-US" altLang="zh-CN" sz="1400" dirty="0" err="1">
                 <a:latin typeface="造字工房力黑（非商用）常规体" pitchFamily="2" charset="-122"/>
                 <a:ea typeface="造字工房力黑（非商用）常规体" pitchFamily="2" charset="-122"/>
               </a:rPr>
               <a:t>bilibili</a:t>
             </a:r>
-            <a:endParaRPr lang="en-US" altLang="zh-CN" dirty="0">
+            <a:endParaRPr lang="en-US" altLang="zh-CN" sz="1400" dirty="0">
               <a:latin typeface="造字工房力黑（非商用）常规体" pitchFamily="2" charset="-122"/>
               <a:ea typeface="造字工房力黑（非商用）常规体" pitchFamily="2" charset="-122"/>
             </a:endParaRPr>
@@ -26848,8 +26592,8 @@
         </p:nvSpPr>
         <p:spPr>
           <a:xfrm>
-            <a:off x="695325" y="4876747"/>
-            <a:ext cx="646331" cy="369332"/>
+            <a:off x="2019769" y="4181625"/>
+            <a:ext cx="543739" cy="307777"/>
           </a:xfrm>
           <a:prstGeom prst="rect">
             <a:avLst/>
@@ -26863,13 +26607,13 @@
           <a:lstStyle/>
           <a:p>
             <a:r>
-              <a:rPr lang="zh-CN" altLang="en-US" dirty="0">
+              <a:rPr lang="zh-CN" altLang="en-US" sz="1400" dirty="0">
                 <a:latin typeface="造字工房力黑（非商用）常规体" pitchFamily="2" charset="-122"/>
                 <a:ea typeface="造字工房力黑（非商用）常规体" pitchFamily="2" charset="-122"/>
               </a:rPr>
               <a:t>微视</a:t>
             </a:r>
-            <a:endParaRPr lang="en-US" altLang="zh-CN" dirty="0">
+            <a:endParaRPr lang="en-US" altLang="zh-CN" sz="1400" dirty="0">
               <a:latin typeface="造字工房力黑（非商用）常规体" pitchFamily="2" charset="-122"/>
               <a:ea typeface="造字工房力黑（非商用）常规体" pitchFamily="2" charset="-122"/>
             </a:endParaRPr>
@@ -26890,8 +26634,8 @@
         </p:nvSpPr>
         <p:spPr>
           <a:xfrm>
-            <a:off x="695325" y="3161187"/>
-            <a:ext cx="646331" cy="369332"/>
+            <a:off x="6086077" y="1543063"/>
+            <a:ext cx="543739" cy="307777"/>
           </a:xfrm>
           <a:prstGeom prst="rect">
             <a:avLst/>
@@ -26905,13 +26649,13 @@
           <a:lstStyle/>
           <a:p>
             <a:r>
-              <a:rPr lang="zh-CN" altLang="en-US" dirty="0">
+              <a:rPr lang="zh-CN" altLang="en-US" sz="1400" dirty="0">
                 <a:latin typeface="造字工房力黑（非商用）常规体" pitchFamily="2" charset="-122"/>
                 <a:ea typeface="造字工房力黑（非商用）常规体" pitchFamily="2" charset="-122"/>
               </a:rPr>
               <a:t>玩加</a:t>
             </a:r>
-            <a:endParaRPr lang="en-US" altLang="zh-CN" dirty="0">
+            <a:endParaRPr lang="en-US" altLang="zh-CN" sz="1400" dirty="0">
               <a:latin typeface="造字工房力黑（非商用）常规体" pitchFamily="2" charset="-122"/>
               <a:ea typeface="造字工房力黑（非商用）常规体" pitchFamily="2" charset="-122"/>
             </a:endParaRPr>
@@ -26932,8 +26676,8 @@
         </p:nvSpPr>
         <p:spPr>
           <a:xfrm>
-            <a:off x="695325" y="5114253"/>
-            <a:ext cx="646331" cy="369332"/>
+            <a:off x="3344213" y="4181625"/>
+            <a:ext cx="543739" cy="307777"/>
           </a:xfrm>
           <a:prstGeom prst="rect">
             <a:avLst/>
@@ -26947,13 +26691,13 @@
           <a:lstStyle/>
           <a:p>
             <a:r>
-              <a:rPr lang="zh-CN" altLang="en-US" dirty="0">
+              <a:rPr lang="zh-CN" altLang="en-US" sz="1400" dirty="0">
                 <a:latin typeface="造字工房力黑（非商用）常规体" pitchFamily="2" charset="-122"/>
                 <a:ea typeface="造字工房力黑（非商用）常规体" pitchFamily="2" charset="-122"/>
               </a:rPr>
               <a:t>快手</a:t>
             </a:r>
-            <a:endParaRPr lang="en-US" altLang="zh-CN" dirty="0">
+            <a:endParaRPr lang="en-US" altLang="zh-CN" sz="1400" dirty="0">
               <a:latin typeface="造字工房力黑（非商用）常规体" pitchFamily="2" charset="-122"/>
               <a:ea typeface="造字工房力黑（非商用）常规体" pitchFamily="2" charset="-122"/>
             </a:endParaRPr>
@@ -26974,8 +26718,8 @@
         </p:nvSpPr>
         <p:spPr>
           <a:xfrm>
-            <a:off x="695325" y="3451550"/>
-            <a:ext cx="646331" cy="369332"/>
+            <a:off x="8840762" y="1543063"/>
+            <a:ext cx="543739" cy="307777"/>
           </a:xfrm>
           <a:prstGeom prst="rect">
             <a:avLst/>
@@ -26989,13 +26733,13 @@
           <a:lstStyle/>
           <a:p>
             <a:r>
-              <a:rPr lang="zh-CN" altLang="en-US" dirty="0">
+              <a:rPr lang="zh-CN" altLang="en-US" sz="1400" dirty="0">
                 <a:latin typeface="造字工房力黑（非商用）常规体" pitchFamily="2" charset="-122"/>
                 <a:ea typeface="造字工房力黑（非商用）常规体" pitchFamily="2" charset="-122"/>
               </a:rPr>
               <a:t>头条</a:t>
             </a:r>
-            <a:endParaRPr lang="en-US" altLang="zh-CN" dirty="0">
+            <a:endParaRPr lang="en-US" altLang="zh-CN" sz="1400" dirty="0">
               <a:latin typeface="造字工房力黑（非商用）常规体" pitchFamily="2" charset="-122"/>
               <a:ea typeface="造字工房力黑（非商用）常规体" pitchFamily="2" charset="-122"/>
             </a:endParaRPr>
@@ -27016,8 +26760,8 @@
         </p:nvSpPr>
         <p:spPr>
           <a:xfrm>
-            <a:off x="1528751" y="5114253"/>
-            <a:ext cx="646331" cy="369332"/>
+            <a:off x="8840762" y="4181625"/>
+            <a:ext cx="543739" cy="307777"/>
           </a:xfrm>
           <a:prstGeom prst="rect">
             <a:avLst/>
@@ -27031,13 +26775,13 @@
           <a:lstStyle/>
           <a:p>
             <a:r>
-              <a:rPr lang="zh-CN" altLang="en-US" dirty="0">
+              <a:rPr lang="zh-CN" altLang="en-US" sz="1400" dirty="0">
                 <a:latin typeface="造字工房力黑（非商用）常规体" pitchFamily="2" charset="-122"/>
                 <a:ea typeface="造字工房力黑（非商用）常规体" pitchFamily="2" charset="-122"/>
               </a:rPr>
               <a:t>优酷</a:t>
             </a:r>
-            <a:endParaRPr lang="en-US" altLang="zh-CN" dirty="0">
+            <a:endParaRPr lang="en-US" altLang="zh-CN" sz="1400" dirty="0">
               <a:latin typeface="造字工房力黑（非商用）常规体" pitchFamily="2" charset="-122"/>
               <a:ea typeface="造字工房力黑（非商用）常规体" pitchFamily="2" charset="-122"/>
             </a:endParaRPr>
@@ -27058,8 +26802,8 @@
         </p:nvSpPr>
         <p:spPr>
           <a:xfrm>
-            <a:off x="1579542" y="4304106"/>
-            <a:ext cx="646331" cy="369332"/>
+            <a:off x="6191873" y="4181625"/>
+            <a:ext cx="543739" cy="307777"/>
           </a:xfrm>
           <a:prstGeom prst="rect">
             <a:avLst/>
@@ -27073,13 +26817,13 @@
           <a:lstStyle/>
           <a:p>
             <a:r>
-              <a:rPr lang="zh-CN" altLang="en-US" dirty="0">
+              <a:rPr lang="zh-CN" altLang="en-US" sz="1400" dirty="0">
                 <a:latin typeface="造字工房力黑（非商用）常规体" pitchFamily="2" charset="-122"/>
                 <a:ea typeface="造字工房力黑（非商用）常规体" pitchFamily="2" charset="-122"/>
               </a:rPr>
               <a:t>触手</a:t>
             </a:r>
-            <a:endParaRPr lang="en-US" altLang="zh-CN" dirty="0">
+            <a:endParaRPr lang="en-US" altLang="zh-CN" sz="1400" dirty="0">
               <a:latin typeface="造字工房力黑（非商用）常规体" pitchFamily="2" charset="-122"/>
               <a:ea typeface="造字工房力黑（非商用）常规体" pitchFamily="2" charset="-122"/>
             </a:endParaRPr>
@@ -27100,8 +26844,8 @@
         </p:nvSpPr>
         <p:spPr>
           <a:xfrm>
-            <a:off x="1579542" y="4518664"/>
-            <a:ext cx="646331" cy="369332"/>
+            <a:off x="7516317" y="4181625"/>
+            <a:ext cx="543739" cy="307777"/>
           </a:xfrm>
           <a:prstGeom prst="rect">
             <a:avLst/>
@@ -27115,13 +26859,1098 @@
           <a:lstStyle/>
           <a:p>
             <a:r>
-              <a:rPr lang="zh-CN" altLang="en-US">
+              <a:rPr lang="zh-CN" altLang="en-US" sz="1400">
                 <a:latin typeface="造字工房力黑（非商用）常规体" pitchFamily="2" charset="-122"/>
                 <a:ea typeface="造字工房力黑（非商用）常规体" pitchFamily="2" charset="-122"/>
               </a:rPr>
               <a:t>西瓜</a:t>
             </a:r>
-            <a:endParaRPr lang="en-US" altLang="zh-CN" dirty="0">
+            <a:endParaRPr lang="en-US" altLang="zh-CN" sz="1400" dirty="0">
+              <a:latin typeface="造字工房力黑（非商用）常规体" pitchFamily="2" charset="-122"/>
+              <a:ea typeface="造字工房力黑（非商用）常规体" pitchFamily="2" charset="-122"/>
+            </a:endParaRPr>
+          </a:p>
+        </p:txBody>
+      </p:sp>
+      <p:sp>
+        <p:nvSpPr>
+          <p:cNvPr id="23" name="文本框 22">
+            <a:extLst>
+              <a:ext uri="{FF2B5EF4-FFF2-40B4-BE49-F238E27FC236}">
+                <a16:creationId xmlns:a16="http://schemas.microsoft.com/office/drawing/2014/main" id="{5861EEF3-BDB5-45D9-BD46-F8677913028B}"/>
+              </a:ext>
+            </a:extLst>
+          </p:cNvPr>
+          <p:cNvSpPr txBox="1"/>
+          <p:nvPr/>
+        </p:nvSpPr>
+        <p:spPr>
+          <a:xfrm>
+            <a:off x="695325" y="1850840"/>
+            <a:ext cx="748923" cy="1446550"/>
+          </a:xfrm>
+          <a:prstGeom prst="rect">
+            <a:avLst/>
+          </a:prstGeom>
+          <a:noFill/>
+        </p:spPr>
+        <p:txBody>
+          <a:bodyPr wrap="none" rtlCol="0">
+            <a:spAutoFit/>
+          </a:bodyPr>
+          <a:lstStyle/>
+          <a:p>
+            <a:r>
+              <a:rPr lang="zh-CN" altLang="en-US" sz="1100" dirty="0">
+                <a:latin typeface="造字工房力黑（非商用）常规体" pitchFamily="2" charset="-122"/>
+                <a:ea typeface="造字工房力黑（非商用）常规体" pitchFamily="2" charset="-122"/>
+              </a:rPr>
+              <a:t>用户名</a:t>
+            </a:r>
+            <a:endParaRPr lang="en-US" altLang="zh-CN" sz="1100" dirty="0">
+              <a:latin typeface="造字工房力黑（非商用）常规体" pitchFamily="2" charset="-122"/>
+              <a:ea typeface="造字工房力黑（非商用）常规体" pitchFamily="2" charset="-122"/>
+            </a:endParaRPr>
+          </a:p>
+          <a:p>
+            <a:r>
+              <a:rPr lang="zh-CN" altLang="en-US" sz="1100" dirty="0">
+                <a:latin typeface="造字工房力黑（非商用）常规体" pitchFamily="2" charset="-122"/>
+                <a:ea typeface="造字工房力黑（非商用）常规体" pitchFamily="2" charset="-122"/>
+              </a:rPr>
+              <a:t>简介</a:t>
+            </a:r>
+            <a:endParaRPr lang="en-US" altLang="zh-CN" sz="1100" dirty="0">
+              <a:latin typeface="造字工房力黑（非商用）常规体" pitchFamily="2" charset="-122"/>
+              <a:ea typeface="造字工房力黑（非商用）常规体" pitchFamily="2" charset="-122"/>
+            </a:endParaRPr>
+          </a:p>
+          <a:p>
+            <a:r>
+              <a:rPr lang="zh-CN" altLang="en-US" sz="1100" dirty="0">
+                <a:latin typeface="造字工房力黑（非商用）常规体" pitchFamily="2" charset="-122"/>
+                <a:ea typeface="造字工房力黑（非商用）常规体" pitchFamily="2" charset="-122"/>
+              </a:rPr>
+              <a:t>状态数</a:t>
+            </a:r>
+            <a:endParaRPr lang="en-US" altLang="zh-CN" sz="1100" dirty="0">
+              <a:latin typeface="造字工房力黑（非商用）常规体" pitchFamily="2" charset="-122"/>
+              <a:ea typeface="造字工房力黑（非商用）常规体" pitchFamily="2" charset="-122"/>
+            </a:endParaRPr>
+          </a:p>
+          <a:p>
+            <a:r>
+              <a:rPr lang="zh-CN" altLang="en-US" sz="1100" dirty="0">
+                <a:latin typeface="造字工房力黑（非商用）常规体" pitchFamily="2" charset="-122"/>
+                <a:ea typeface="造字工房力黑（非商用）常规体" pitchFamily="2" charset="-122"/>
+              </a:rPr>
+              <a:t>粉丝</a:t>
+            </a:r>
+            <a:endParaRPr lang="en-US" altLang="zh-CN" sz="1100" dirty="0">
+              <a:latin typeface="造字工房力黑（非商用）常规体" pitchFamily="2" charset="-122"/>
+              <a:ea typeface="造字工房力黑（非商用）常规体" pitchFamily="2" charset="-122"/>
+            </a:endParaRPr>
+          </a:p>
+          <a:p>
+            <a:r>
+              <a:rPr lang="zh-CN" altLang="en-US" sz="1100" dirty="0">
+                <a:latin typeface="造字工房力黑（非商用）常规体" pitchFamily="2" charset="-122"/>
+                <a:ea typeface="造字工房力黑（非商用）常规体" pitchFamily="2" charset="-122"/>
+              </a:rPr>
+              <a:t>关注</a:t>
+            </a:r>
+            <a:endParaRPr lang="en-US" altLang="zh-CN" sz="1100" dirty="0">
+              <a:latin typeface="造字工房力黑（非商用）常规体" pitchFamily="2" charset="-122"/>
+              <a:ea typeface="造字工房力黑（非商用）常规体" pitchFamily="2" charset="-122"/>
+            </a:endParaRPr>
+          </a:p>
+          <a:p>
+            <a:r>
+              <a:rPr lang="zh-CN" altLang="en-US" sz="1100" dirty="0">
+                <a:latin typeface="造字工房力黑（非商用）常规体" pitchFamily="2" charset="-122"/>
+                <a:ea typeface="造字工房力黑（非商用）常规体" pitchFamily="2" charset="-122"/>
+              </a:rPr>
+              <a:t>微博内容</a:t>
+            </a:r>
+            <a:endParaRPr lang="en-US" altLang="zh-CN" sz="1100" dirty="0">
+              <a:latin typeface="造字工房力黑（非商用）常规体" pitchFamily="2" charset="-122"/>
+              <a:ea typeface="造字工房力黑（非商用）常规体" pitchFamily="2" charset="-122"/>
+            </a:endParaRPr>
+          </a:p>
+          <a:p>
+            <a:r>
+              <a:rPr lang="zh-CN" altLang="en-US" sz="1100" dirty="0">
+                <a:latin typeface="造字工房力黑（非商用）常规体" pitchFamily="2" charset="-122"/>
+                <a:ea typeface="造字工房力黑（非商用）常规体" pitchFamily="2" charset="-122"/>
+              </a:rPr>
+              <a:t>发布时间</a:t>
+            </a:r>
+            <a:endParaRPr lang="en-US" altLang="zh-CN" sz="1100" dirty="0">
+              <a:latin typeface="造字工房力黑（非商用）常规体" pitchFamily="2" charset="-122"/>
+              <a:ea typeface="造字工房力黑（非商用）常规体" pitchFamily="2" charset="-122"/>
+            </a:endParaRPr>
+          </a:p>
+          <a:p>
+            <a:r>
+              <a:rPr lang="zh-CN" altLang="en-US" sz="1100" dirty="0">
+                <a:latin typeface="造字工房力黑（非商用）常规体" pitchFamily="2" charset="-122"/>
+                <a:ea typeface="造字工房力黑（非商用）常规体" pitchFamily="2" charset="-122"/>
+              </a:rPr>
+              <a:t>转评赞</a:t>
+            </a:r>
+            <a:endParaRPr lang="en-US" altLang="zh-CN" sz="1100" dirty="0">
+              <a:latin typeface="造字工房力黑（非商用）常规体" pitchFamily="2" charset="-122"/>
+              <a:ea typeface="造字工房力黑（非商用）常规体" pitchFamily="2" charset="-122"/>
+            </a:endParaRPr>
+          </a:p>
+        </p:txBody>
+      </p:sp>
+      <p:sp>
+        <p:nvSpPr>
+          <p:cNvPr id="24" name="文本框 23">
+            <a:extLst>
+              <a:ext uri="{FF2B5EF4-FFF2-40B4-BE49-F238E27FC236}">
+                <a16:creationId xmlns:a16="http://schemas.microsoft.com/office/drawing/2014/main" id="{0766D0ED-8D6B-4EC0-B20D-779A17F98B68}"/>
+              </a:ext>
+            </a:extLst>
+          </p:cNvPr>
+          <p:cNvSpPr txBox="1"/>
+          <p:nvPr/>
+        </p:nvSpPr>
+        <p:spPr>
+          <a:xfrm>
+            <a:off x="2043013" y="1850840"/>
+            <a:ext cx="748923" cy="769441"/>
+          </a:xfrm>
+          <a:prstGeom prst="rect">
+            <a:avLst/>
+          </a:prstGeom>
+          <a:noFill/>
+        </p:spPr>
+        <p:txBody>
+          <a:bodyPr wrap="none" rtlCol="0">
+            <a:spAutoFit/>
+          </a:bodyPr>
+          <a:lstStyle/>
+          <a:p>
+            <a:r>
+              <a:rPr lang="zh-CN" altLang="en-US" sz="1100" dirty="0">
+                <a:latin typeface="造字工房力黑（非商用）常规体" pitchFamily="2" charset="-122"/>
+                <a:ea typeface="造字工房力黑（非商用）常规体" pitchFamily="2" charset="-122"/>
+              </a:rPr>
+              <a:t>用户名</a:t>
+            </a:r>
+            <a:endParaRPr lang="en-US" altLang="zh-CN" sz="1100" dirty="0">
+              <a:latin typeface="造字工房力黑（非商用）常规体" pitchFamily="2" charset="-122"/>
+              <a:ea typeface="造字工房力黑（非商用）常规体" pitchFamily="2" charset="-122"/>
+            </a:endParaRPr>
+          </a:p>
+          <a:p>
+            <a:r>
+              <a:rPr lang="zh-CN" altLang="en-US" sz="1100" dirty="0">
+                <a:latin typeface="造字工房力黑（非商用）常规体" pitchFamily="2" charset="-122"/>
+                <a:ea typeface="造字工房力黑（非商用）常规体" pitchFamily="2" charset="-122"/>
+              </a:rPr>
+              <a:t>主题</a:t>
+            </a:r>
+            <a:endParaRPr lang="en-US" altLang="zh-CN" sz="1100" dirty="0">
+              <a:latin typeface="造字工房力黑（非商用）常规体" pitchFamily="2" charset="-122"/>
+              <a:ea typeface="造字工房力黑（非商用）常规体" pitchFamily="2" charset="-122"/>
+            </a:endParaRPr>
+          </a:p>
+          <a:p>
+            <a:r>
+              <a:rPr lang="zh-CN" altLang="en-US" sz="1100" dirty="0">
+                <a:latin typeface="造字工房力黑（非商用）常规体" pitchFamily="2" charset="-122"/>
+                <a:ea typeface="造字工房力黑（非商用）常规体" pitchFamily="2" charset="-122"/>
+              </a:rPr>
+              <a:t>发布时间</a:t>
+            </a:r>
+            <a:endParaRPr lang="en-US" altLang="zh-CN" sz="1100" dirty="0">
+              <a:latin typeface="造字工房力黑（非商用）常规体" pitchFamily="2" charset="-122"/>
+              <a:ea typeface="造字工房力黑（非商用）常规体" pitchFamily="2" charset="-122"/>
+            </a:endParaRPr>
+          </a:p>
+          <a:p>
+            <a:r>
+              <a:rPr lang="zh-CN" altLang="en-US" sz="1100" dirty="0">
+                <a:latin typeface="造字工房力黑（非商用）常规体" pitchFamily="2" charset="-122"/>
+                <a:ea typeface="造字工房力黑（非商用）常规体" pitchFamily="2" charset="-122"/>
+              </a:rPr>
+              <a:t>回复</a:t>
+            </a:r>
+            <a:endParaRPr lang="en-US" altLang="zh-CN" sz="1100" dirty="0">
+              <a:latin typeface="造字工房力黑（非商用）常规体" pitchFamily="2" charset="-122"/>
+              <a:ea typeface="造字工房力黑（非商用）常规体" pitchFamily="2" charset="-122"/>
+            </a:endParaRPr>
+          </a:p>
+        </p:txBody>
+      </p:sp>
+      <p:sp>
+        <p:nvSpPr>
+          <p:cNvPr id="25" name="文本框 24">
+            <a:extLst>
+              <a:ext uri="{FF2B5EF4-FFF2-40B4-BE49-F238E27FC236}">
+                <a16:creationId xmlns:a16="http://schemas.microsoft.com/office/drawing/2014/main" id="{D819F82D-1642-4D15-B712-F1AA8B344BF0}"/>
+              </a:ext>
+            </a:extLst>
+          </p:cNvPr>
+          <p:cNvSpPr txBox="1"/>
+          <p:nvPr/>
+        </p:nvSpPr>
+        <p:spPr>
+          <a:xfrm>
+            <a:off x="3390701" y="1850840"/>
+            <a:ext cx="466794" cy="261610"/>
+          </a:xfrm>
+          <a:prstGeom prst="rect">
+            <a:avLst/>
+          </a:prstGeom>
+          <a:noFill/>
+        </p:spPr>
+        <p:txBody>
+          <a:bodyPr wrap="none" rtlCol="0">
+            <a:spAutoFit/>
+          </a:bodyPr>
+          <a:lstStyle/>
+          <a:p>
+            <a:r>
+              <a:rPr lang="zh-CN" altLang="en-US" sz="1100" dirty="0">
+                <a:latin typeface="造字工房力黑（非商用）常规体" pitchFamily="2" charset="-122"/>
+                <a:ea typeface="造字工房力黑（非商用）常规体" pitchFamily="2" charset="-122"/>
+              </a:rPr>
+              <a:t>微信</a:t>
+            </a:r>
+            <a:endParaRPr lang="en-US" altLang="zh-CN" sz="1100" dirty="0">
+              <a:latin typeface="造字工房力黑（非商用）常规体" pitchFamily="2" charset="-122"/>
+              <a:ea typeface="造字工房力黑（非商用）常规体" pitchFamily="2" charset="-122"/>
+            </a:endParaRPr>
+          </a:p>
+        </p:txBody>
+      </p:sp>
+      <p:sp>
+        <p:nvSpPr>
+          <p:cNvPr id="26" name="文本框 25">
+            <a:extLst>
+              <a:ext uri="{FF2B5EF4-FFF2-40B4-BE49-F238E27FC236}">
+                <a16:creationId xmlns:a16="http://schemas.microsoft.com/office/drawing/2014/main" id="{A2336D02-3C26-4AEA-8CB2-484D64A72602}"/>
+              </a:ext>
+            </a:extLst>
+          </p:cNvPr>
+          <p:cNvSpPr txBox="1"/>
+          <p:nvPr/>
+        </p:nvSpPr>
+        <p:spPr>
+          <a:xfrm>
+            <a:off x="7433765" y="1850840"/>
+            <a:ext cx="748923" cy="769441"/>
+          </a:xfrm>
+          <a:prstGeom prst="rect">
+            <a:avLst/>
+          </a:prstGeom>
+          <a:noFill/>
+        </p:spPr>
+        <p:txBody>
+          <a:bodyPr wrap="none" rtlCol="0">
+            <a:spAutoFit/>
+          </a:bodyPr>
+          <a:lstStyle/>
+          <a:p>
+            <a:r>
+              <a:rPr lang="zh-CN" altLang="en-US" sz="1100" dirty="0">
+                <a:latin typeface="造字工房力黑（非商用）常规体" pitchFamily="2" charset="-122"/>
+                <a:ea typeface="造字工房力黑（非商用）常规体" pitchFamily="2" charset="-122"/>
+              </a:rPr>
+              <a:t>用户名</a:t>
+            </a:r>
+            <a:endParaRPr lang="en-US" altLang="zh-CN" sz="1100" dirty="0">
+              <a:latin typeface="造字工房力黑（非商用）常规体" pitchFamily="2" charset="-122"/>
+              <a:ea typeface="造字工房力黑（非商用）常规体" pitchFamily="2" charset="-122"/>
+            </a:endParaRPr>
+          </a:p>
+          <a:p>
+            <a:r>
+              <a:rPr lang="zh-CN" altLang="en-US" sz="1100" dirty="0">
+                <a:latin typeface="造字工房力黑（非商用）常规体" pitchFamily="2" charset="-122"/>
+                <a:ea typeface="造字工房力黑（非商用）常规体" pitchFamily="2" charset="-122"/>
+              </a:rPr>
+              <a:t>主题</a:t>
+            </a:r>
+            <a:endParaRPr lang="en-US" altLang="zh-CN" sz="1100" dirty="0">
+              <a:latin typeface="造字工房力黑（非商用）常规体" pitchFamily="2" charset="-122"/>
+              <a:ea typeface="造字工房力黑（非商用）常规体" pitchFamily="2" charset="-122"/>
+            </a:endParaRPr>
+          </a:p>
+          <a:p>
+            <a:r>
+              <a:rPr lang="zh-CN" altLang="en-US" sz="1100" dirty="0">
+                <a:latin typeface="造字工房力黑（非商用）常规体" pitchFamily="2" charset="-122"/>
+                <a:ea typeface="造字工房力黑（非商用）常规体" pitchFamily="2" charset="-122"/>
+              </a:rPr>
+              <a:t>发布时间</a:t>
+            </a:r>
+            <a:endParaRPr lang="en-US" altLang="zh-CN" sz="1100" dirty="0">
+              <a:latin typeface="造字工房力黑（非商用）常规体" pitchFamily="2" charset="-122"/>
+              <a:ea typeface="造字工房力黑（非商用）常规体" pitchFamily="2" charset="-122"/>
+            </a:endParaRPr>
+          </a:p>
+          <a:p>
+            <a:r>
+              <a:rPr lang="zh-CN" altLang="en-US" sz="1100" dirty="0">
+                <a:latin typeface="造字工房力黑（非商用）常规体" pitchFamily="2" charset="-122"/>
+                <a:ea typeface="造字工房力黑（非商用）常规体" pitchFamily="2" charset="-122"/>
+              </a:rPr>
+              <a:t>回复</a:t>
+            </a:r>
+            <a:endParaRPr lang="en-US" altLang="zh-CN" sz="1100" dirty="0">
+              <a:latin typeface="造字工房力黑（非商用）常规体" pitchFamily="2" charset="-122"/>
+              <a:ea typeface="造字工房力黑（非商用）常规体" pitchFamily="2" charset="-122"/>
+            </a:endParaRPr>
+          </a:p>
+        </p:txBody>
+      </p:sp>
+      <p:sp>
+        <p:nvSpPr>
+          <p:cNvPr id="27" name="文本框 26">
+            <a:extLst>
+              <a:ext uri="{FF2B5EF4-FFF2-40B4-BE49-F238E27FC236}">
+                <a16:creationId xmlns:a16="http://schemas.microsoft.com/office/drawing/2014/main" id="{E72D29DF-8860-4091-84B3-7858FA6E667D}"/>
+              </a:ext>
+            </a:extLst>
+          </p:cNvPr>
+          <p:cNvSpPr txBox="1"/>
+          <p:nvPr/>
+        </p:nvSpPr>
+        <p:spPr>
+          <a:xfrm>
+            <a:off x="4738389" y="1850840"/>
+            <a:ext cx="748923" cy="938719"/>
+          </a:xfrm>
+          <a:prstGeom prst="rect">
+            <a:avLst/>
+          </a:prstGeom>
+          <a:noFill/>
+        </p:spPr>
+        <p:txBody>
+          <a:bodyPr wrap="none" rtlCol="0">
+            <a:spAutoFit/>
+          </a:bodyPr>
+          <a:lstStyle/>
+          <a:p>
+            <a:r>
+              <a:rPr lang="zh-CN" altLang="en-US" sz="1100" dirty="0">
+                <a:latin typeface="造字工房力黑（非商用）常规体" pitchFamily="2" charset="-122"/>
+                <a:ea typeface="造字工房力黑（非商用）常规体" pitchFamily="2" charset="-122"/>
+              </a:rPr>
+              <a:t>用户名</a:t>
+            </a:r>
+            <a:endParaRPr lang="en-US" altLang="zh-CN" sz="1100" dirty="0">
+              <a:latin typeface="造字工房力黑（非商用）常规体" pitchFamily="2" charset="-122"/>
+              <a:ea typeface="造字工房力黑（非商用）常规体" pitchFamily="2" charset="-122"/>
+            </a:endParaRPr>
+          </a:p>
+          <a:p>
+            <a:r>
+              <a:rPr lang="zh-CN" altLang="en-US" sz="1100" dirty="0">
+                <a:latin typeface="造字工房力黑（非商用）常规体" pitchFamily="2" charset="-122"/>
+                <a:ea typeface="造字工房力黑（非商用）常规体" pitchFamily="2" charset="-122"/>
+              </a:rPr>
+              <a:t>主题</a:t>
+            </a:r>
+            <a:endParaRPr lang="en-US" altLang="zh-CN" sz="1100" dirty="0">
+              <a:latin typeface="造字工房力黑（非商用）常规体" pitchFamily="2" charset="-122"/>
+              <a:ea typeface="造字工房力黑（非商用）常规体" pitchFamily="2" charset="-122"/>
+            </a:endParaRPr>
+          </a:p>
+          <a:p>
+            <a:r>
+              <a:rPr lang="zh-CN" altLang="en-US" sz="1100" dirty="0">
+                <a:latin typeface="造字工房力黑（非商用）常规体" pitchFamily="2" charset="-122"/>
+                <a:ea typeface="造字工房力黑（非商用）常规体" pitchFamily="2" charset="-122"/>
+              </a:rPr>
+              <a:t>发布时间</a:t>
+            </a:r>
+            <a:endParaRPr lang="en-US" altLang="zh-CN" sz="1100" dirty="0">
+              <a:latin typeface="造字工房力黑（非商用）常规体" pitchFamily="2" charset="-122"/>
+              <a:ea typeface="造字工房力黑（非商用）常规体" pitchFamily="2" charset="-122"/>
+            </a:endParaRPr>
+          </a:p>
+          <a:p>
+            <a:r>
+              <a:rPr lang="zh-CN" altLang="en-US" sz="1100" dirty="0">
+                <a:latin typeface="造字工房力黑（非商用）常规体" pitchFamily="2" charset="-122"/>
+                <a:ea typeface="造字工房力黑（非商用）常规体" pitchFamily="2" charset="-122"/>
+              </a:rPr>
+              <a:t>回复</a:t>
+            </a:r>
+            <a:endParaRPr lang="en-US" altLang="zh-CN" sz="1100" dirty="0">
+              <a:latin typeface="造字工房力黑（非商用）常规体" pitchFamily="2" charset="-122"/>
+              <a:ea typeface="造字工房力黑（非商用）常规体" pitchFamily="2" charset="-122"/>
+            </a:endParaRPr>
+          </a:p>
+          <a:p>
+            <a:r>
+              <a:rPr lang="zh-CN" altLang="en-US" sz="1100" dirty="0">
+                <a:latin typeface="造字工房力黑（非商用）常规体" pitchFamily="2" charset="-122"/>
+                <a:ea typeface="造字工房力黑（非商用）常规体" pitchFamily="2" charset="-122"/>
+              </a:rPr>
+              <a:t>浏览</a:t>
+            </a:r>
+            <a:endParaRPr lang="en-US" altLang="zh-CN" sz="1100" dirty="0">
+              <a:latin typeface="造字工房力黑（非商用）常规体" pitchFamily="2" charset="-122"/>
+              <a:ea typeface="造字工房力黑（非商用）常规体" pitchFamily="2" charset="-122"/>
+            </a:endParaRPr>
+          </a:p>
+        </p:txBody>
+      </p:sp>
+      <p:sp>
+        <p:nvSpPr>
+          <p:cNvPr id="28" name="文本框 27">
+            <a:extLst>
+              <a:ext uri="{FF2B5EF4-FFF2-40B4-BE49-F238E27FC236}">
+                <a16:creationId xmlns:a16="http://schemas.microsoft.com/office/drawing/2014/main" id="{0F80C8F3-ED58-41C3-BFE6-6873AE49E99D}"/>
+              </a:ext>
+            </a:extLst>
+          </p:cNvPr>
+          <p:cNvSpPr txBox="1"/>
+          <p:nvPr/>
+        </p:nvSpPr>
+        <p:spPr>
+          <a:xfrm>
+            <a:off x="695325" y="4489402"/>
+            <a:ext cx="748923" cy="938719"/>
+          </a:xfrm>
+          <a:prstGeom prst="rect">
+            <a:avLst/>
+          </a:prstGeom>
+          <a:noFill/>
+        </p:spPr>
+        <p:txBody>
+          <a:bodyPr wrap="none" rtlCol="0">
+            <a:spAutoFit/>
+          </a:bodyPr>
+          <a:lstStyle/>
+          <a:p>
+            <a:r>
+              <a:rPr lang="zh-CN" altLang="en-US" sz="1100" dirty="0">
+                <a:latin typeface="造字工房力黑（非商用）常规体" pitchFamily="2" charset="-122"/>
+                <a:ea typeface="造字工房力黑（非商用）常规体" pitchFamily="2" charset="-122"/>
+              </a:rPr>
+              <a:t>用户名</a:t>
+            </a:r>
+            <a:endParaRPr lang="en-US" altLang="zh-CN" sz="1100" dirty="0">
+              <a:latin typeface="造字工房力黑（非商用）常规体" pitchFamily="2" charset="-122"/>
+              <a:ea typeface="造字工房力黑（非商用）常规体" pitchFamily="2" charset="-122"/>
+            </a:endParaRPr>
+          </a:p>
+          <a:p>
+            <a:r>
+              <a:rPr lang="zh-CN" altLang="en-US" sz="1100" dirty="0">
+                <a:latin typeface="造字工房力黑（非商用）常规体" pitchFamily="2" charset="-122"/>
+                <a:ea typeface="造字工房力黑（非商用）常规体" pitchFamily="2" charset="-122"/>
+              </a:rPr>
+              <a:t>标题</a:t>
+            </a:r>
+            <a:endParaRPr lang="en-US" altLang="zh-CN" sz="1100" dirty="0">
+              <a:latin typeface="造字工房力黑（非商用）常规体" pitchFamily="2" charset="-122"/>
+              <a:ea typeface="造字工房力黑（非商用）常规体" pitchFamily="2" charset="-122"/>
+            </a:endParaRPr>
+          </a:p>
+          <a:p>
+            <a:r>
+              <a:rPr lang="zh-CN" altLang="en-US" sz="1100" dirty="0">
+                <a:latin typeface="造字工房力黑（非商用）常规体" pitchFamily="2" charset="-122"/>
+                <a:ea typeface="造字工房力黑（非商用）常规体" pitchFamily="2" charset="-122"/>
+              </a:rPr>
+              <a:t>上传时间</a:t>
+            </a:r>
+            <a:endParaRPr lang="en-US" altLang="zh-CN" sz="1100" dirty="0">
+              <a:latin typeface="造字工房力黑（非商用）常规体" pitchFamily="2" charset="-122"/>
+              <a:ea typeface="造字工房力黑（非商用）常规体" pitchFamily="2" charset="-122"/>
+            </a:endParaRPr>
+          </a:p>
+          <a:p>
+            <a:r>
+              <a:rPr lang="zh-CN" altLang="en-US" sz="1100" dirty="0">
+                <a:latin typeface="造字工房力黑（非商用）常规体" pitchFamily="2" charset="-122"/>
+                <a:ea typeface="造字工房力黑（非商用）常规体" pitchFamily="2" charset="-122"/>
+              </a:rPr>
+              <a:t>简介</a:t>
+            </a:r>
+            <a:endParaRPr lang="en-US" altLang="zh-CN" sz="1100" dirty="0">
+              <a:latin typeface="造字工房力黑（非商用）常规体" pitchFamily="2" charset="-122"/>
+              <a:ea typeface="造字工房力黑（非商用）常规体" pitchFamily="2" charset="-122"/>
+            </a:endParaRPr>
+          </a:p>
+          <a:p>
+            <a:r>
+              <a:rPr lang="zh-CN" altLang="en-US" sz="1100" dirty="0">
+                <a:latin typeface="造字工房力黑（非商用）常规体" pitchFamily="2" charset="-122"/>
+                <a:ea typeface="造字工房力黑（非商用）常规体" pitchFamily="2" charset="-122"/>
+              </a:rPr>
+              <a:t>播放量</a:t>
+            </a:r>
+            <a:endParaRPr lang="en-US" altLang="zh-CN" sz="1100" dirty="0">
+              <a:latin typeface="造字工房力黑（非商用）常规体" pitchFamily="2" charset="-122"/>
+              <a:ea typeface="造字工房力黑（非商用）常规体" pitchFamily="2" charset="-122"/>
+            </a:endParaRPr>
+          </a:p>
+        </p:txBody>
+      </p:sp>
+      <p:sp>
+        <p:nvSpPr>
+          <p:cNvPr id="29" name="文本框 28">
+            <a:extLst>
+              <a:ext uri="{FF2B5EF4-FFF2-40B4-BE49-F238E27FC236}">
+                <a16:creationId xmlns:a16="http://schemas.microsoft.com/office/drawing/2014/main" id="{D8901056-9505-419D-9B2B-76EAB703D0B5}"/>
+              </a:ext>
+            </a:extLst>
+          </p:cNvPr>
+          <p:cNvSpPr txBox="1"/>
+          <p:nvPr/>
+        </p:nvSpPr>
+        <p:spPr>
+          <a:xfrm>
+            <a:off x="4668657" y="4489402"/>
+            <a:ext cx="748923" cy="1277273"/>
+          </a:xfrm>
+          <a:prstGeom prst="rect">
+            <a:avLst/>
+          </a:prstGeom>
+          <a:noFill/>
+        </p:spPr>
+        <p:txBody>
+          <a:bodyPr wrap="none" rtlCol="0">
+            <a:spAutoFit/>
+          </a:bodyPr>
+          <a:lstStyle/>
+          <a:p>
+            <a:r>
+              <a:rPr lang="zh-CN" altLang="en-US" sz="1100" dirty="0">
+                <a:latin typeface="造字工房力黑（非商用）常规体" pitchFamily="2" charset="-122"/>
+                <a:ea typeface="造字工房力黑（非商用）常规体" pitchFamily="2" charset="-122"/>
+              </a:rPr>
+              <a:t>用户名</a:t>
+            </a:r>
+            <a:endParaRPr lang="en-US" altLang="zh-CN" sz="1100" dirty="0">
+              <a:latin typeface="造字工房力黑（非商用）常规体" pitchFamily="2" charset="-122"/>
+              <a:ea typeface="造字工房力黑（非商用）常规体" pitchFamily="2" charset="-122"/>
+            </a:endParaRPr>
+          </a:p>
+          <a:p>
+            <a:r>
+              <a:rPr lang="zh-CN" altLang="en-US" sz="1100" dirty="0">
+                <a:latin typeface="造字工房力黑（非商用）常规体" pitchFamily="2" charset="-122"/>
+                <a:ea typeface="造字工房力黑（非商用）常规体" pitchFamily="2" charset="-122"/>
+              </a:rPr>
+              <a:t>标题</a:t>
+            </a:r>
+            <a:endParaRPr lang="en-US" altLang="zh-CN" sz="1100" dirty="0">
+              <a:latin typeface="造字工房力黑（非商用）常规体" pitchFamily="2" charset="-122"/>
+              <a:ea typeface="造字工房力黑（非商用）常规体" pitchFamily="2" charset="-122"/>
+            </a:endParaRPr>
+          </a:p>
+          <a:p>
+            <a:r>
+              <a:rPr lang="zh-CN" altLang="en-US" sz="1100" dirty="0">
+                <a:latin typeface="造字工房力黑（非商用）常规体" pitchFamily="2" charset="-122"/>
+                <a:ea typeface="造字工房力黑（非商用）常规体" pitchFamily="2" charset="-122"/>
+              </a:rPr>
+              <a:t>发布时间</a:t>
+            </a:r>
+            <a:endParaRPr lang="en-US" altLang="zh-CN" sz="1100" dirty="0">
+              <a:latin typeface="造字工房力黑（非商用）常规体" pitchFamily="2" charset="-122"/>
+              <a:ea typeface="造字工房力黑（非商用）常规体" pitchFamily="2" charset="-122"/>
+            </a:endParaRPr>
+          </a:p>
+          <a:p>
+            <a:r>
+              <a:rPr lang="zh-CN" altLang="en-US" sz="1100" dirty="0">
+                <a:latin typeface="造字工房力黑（非商用）常规体" pitchFamily="2" charset="-122"/>
+                <a:ea typeface="造字工房力黑（非商用）常规体" pitchFamily="2" charset="-122"/>
+              </a:rPr>
+              <a:t>简介</a:t>
+            </a:r>
+            <a:endParaRPr lang="en-US" altLang="zh-CN" sz="1100" dirty="0">
+              <a:latin typeface="造字工房力黑（非商用）常规体" pitchFamily="2" charset="-122"/>
+              <a:ea typeface="造字工房力黑（非商用）常规体" pitchFamily="2" charset="-122"/>
+            </a:endParaRPr>
+          </a:p>
+          <a:p>
+            <a:r>
+              <a:rPr lang="zh-CN" altLang="en-US" sz="1100" dirty="0">
+                <a:latin typeface="造字工房力黑（非商用）常规体" pitchFamily="2" charset="-122"/>
+                <a:ea typeface="造字工房力黑（非商用）常规体" pitchFamily="2" charset="-122"/>
+              </a:rPr>
+              <a:t>播放量</a:t>
+            </a:r>
+            <a:endParaRPr lang="en-US" altLang="zh-CN" sz="1100" dirty="0">
+              <a:latin typeface="造字工房力黑（非商用）常规体" pitchFamily="2" charset="-122"/>
+              <a:ea typeface="造字工房力黑（非商用）常规体" pitchFamily="2" charset="-122"/>
+            </a:endParaRPr>
+          </a:p>
+          <a:p>
+            <a:r>
+              <a:rPr lang="zh-CN" altLang="en-US" sz="1100" dirty="0">
+                <a:latin typeface="造字工房力黑（非商用）常规体" pitchFamily="2" charset="-122"/>
+                <a:ea typeface="造字工房力黑（非商用）常规体" pitchFamily="2" charset="-122"/>
+              </a:rPr>
+              <a:t>评论</a:t>
+            </a:r>
+            <a:endParaRPr lang="en-US" altLang="zh-CN" sz="1100" dirty="0">
+              <a:latin typeface="造字工房力黑（非商用）常规体" pitchFamily="2" charset="-122"/>
+              <a:ea typeface="造字工房力黑（非商用）常规体" pitchFamily="2" charset="-122"/>
+            </a:endParaRPr>
+          </a:p>
+          <a:p>
+            <a:r>
+              <a:rPr lang="zh-CN" altLang="en-US" sz="1100" dirty="0">
+                <a:latin typeface="造字工房力黑（非商用）常规体" pitchFamily="2" charset="-122"/>
+                <a:ea typeface="造字工房力黑（非商用）常规体" pitchFamily="2" charset="-122"/>
+              </a:rPr>
+              <a:t>收藏</a:t>
+            </a:r>
+            <a:endParaRPr lang="en-US" altLang="zh-CN" sz="1100" dirty="0">
+              <a:latin typeface="造字工房力黑（非商用）常规体" pitchFamily="2" charset="-122"/>
+              <a:ea typeface="造字工房力黑（非商用）常规体" pitchFamily="2" charset="-122"/>
+            </a:endParaRPr>
+          </a:p>
+        </p:txBody>
+      </p:sp>
+      <p:sp>
+        <p:nvSpPr>
+          <p:cNvPr id="30" name="文本框 29">
+            <a:extLst>
+              <a:ext uri="{FF2B5EF4-FFF2-40B4-BE49-F238E27FC236}">
+                <a16:creationId xmlns:a16="http://schemas.microsoft.com/office/drawing/2014/main" id="{9817DC2F-5E97-4560-B7E2-BDEC7FECFE37}"/>
+              </a:ext>
+            </a:extLst>
+          </p:cNvPr>
+          <p:cNvSpPr txBox="1"/>
+          <p:nvPr/>
+        </p:nvSpPr>
+        <p:spPr>
+          <a:xfrm>
+            <a:off x="2019769" y="4489402"/>
+            <a:ext cx="748923" cy="1277273"/>
+          </a:xfrm>
+          <a:prstGeom prst="rect">
+            <a:avLst/>
+          </a:prstGeom>
+          <a:noFill/>
+        </p:spPr>
+        <p:txBody>
+          <a:bodyPr wrap="none" rtlCol="0">
+            <a:spAutoFit/>
+          </a:bodyPr>
+          <a:lstStyle/>
+          <a:p>
+            <a:r>
+              <a:rPr lang="zh-CN" altLang="en-US" sz="1100" dirty="0">
+                <a:latin typeface="造字工房力黑（非商用）常规体" pitchFamily="2" charset="-122"/>
+                <a:ea typeface="造字工房力黑（非商用）常规体" pitchFamily="2" charset="-122"/>
+              </a:rPr>
+              <a:t>用户名</a:t>
+            </a:r>
+            <a:endParaRPr lang="en-US" altLang="zh-CN" sz="1100" dirty="0">
+              <a:latin typeface="造字工房力黑（非商用）常规体" pitchFamily="2" charset="-122"/>
+              <a:ea typeface="造字工房力黑（非商用）常规体" pitchFamily="2" charset="-122"/>
+            </a:endParaRPr>
+          </a:p>
+          <a:p>
+            <a:r>
+              <a:rPr lang="zh-CN" altLang="en-US" sz="1100" dirty="0">
+                <a:latin typeface="造字工房力黑（非商用）常规体" pitchFamily="2" charset="-122"/>
+                <a:ea typeface="造字工房力黑（非商用）常规体" pitchFamily="2" charset="-122"/>
+              </a:rPr>
+              <a:t>个人简介</a:t>
+            </a:r>
+            <a:endParaRPr lang="en-US" altLang="zh-CN" sz="1100" dirty="0">
+              <a:latin typeface="造字工房力黑（非商用）常规体" pitchFamily="2" charset="-122"/>
+              <a:ea typeface="造字工房力黑（非商用）常规体" pitchFamily="2" charset="-122"/>
+            </a:endParaRPr>
+          </a:p>
+          <a:p>
+            <a:r>
+              <a:rPr lang="zh-CN" altLang="en-US" sz="1100" dirty="0">
+                <a:latin typeface="造字工房力黑（非商用）常规体" pitchFamily="2" charset="-122"/>
+                <a:ea typeface="造字工房力黑（非商用）常规体" pitchFamily="2" charset="-122"/>
+              </a:rPr>
+              <a:t>粉丝</a:t>
+            </a:r>
+            <a:endParaRPr lang="en-US" altLang="zh-CN" sz="1100" dirty="0">
+              <a:latin typeface="造字工房力黑（非商用）常规体" pitchFamily="2" charset="-122"/>
+              <a:ea typeface="造字工房力黑（非商用）常规体" pitchFamily="2" charset="-122"/>
+            </a:endParaRPr>
+          </a:p>
+          <a:p>
+            <a:r>
+              <a:rPr lang="zh-CN" altLang="en-US" sz="1100" dirty="0">
+                <a:latin typeface="造字工房力黑（非商用）常规体" pitchFamily="2" charset="-122"/>
+                <a:ea typeface="造字工房力黑（非商用）常规体" pitchFamily="2" charset="-122"/>
+              </a:rPr>
+              <a:t>关注</a:t>
+            </a:r>
+            <a:endParaRPr lang="en-US" altLang="zh-CN" sz="1100" dirty="0">
+              <a:latin typeface="造字工房力黑（非商用）常规体" pitchFamily="2" charset="-122"/>
+              <a:ea typeface="造字工房力黑（非商用）常规体" pitchFamily="2" charset="-122"/>
+            </a:endParaRPr>
+          </a:p>
+          <a:p>
+            <a:r>
+              <a:rPr lang="zh-CN" altLang="en-US" sz="1100" dirty="0">
+                <a:latin typeface="造字工房力黑（非商用）常规体" pitchFamily="2" charset="-122"/>
+                <a:ea typeface="造字工房力黑（非商用）常规体" pitchFamily="2" charset="-122"/>
+              </a:rPr>
+              <a:t>被赞</a:t>
+            </a:r>
+            <a:endParaRPr lang="en-US" altLang="zh-CN" sz="1100" dirty="0">
+              <a:latin typeface="造字工房力黑（非商用）常规体" pitchFamily="2" charset="-122"/>
+              <a:ea typeface="造字工房力黑（非商用）常规体" pitchFamily="2" charset="-122"/>
+            </a:endParaRPr>
+          </a:p>
+          <a:p>
+            <a:r>
+              <a:rPr lang="zh-CN" altLang="en-US" sz="1100" dirty="0">
+                <a:latin typeface="造字工房力黑（非商用）常规体" pitchFamily="2" charset="-122"/>
+                <a:ea typeface="造字工房力黑（非商用）常规体" pitchFamily="2" charset="-122"/>
+              </a:rPr>
+              <a:t>视频</a:t>
+            </a:r>
+            <a:r>
+              <a:rPr lang="en-US" altLang="zh-CN" sz="1100" dirty="0">
+                <a:latin typeface="造字工房力黑（非商用）常规体" pitchFamily="2" charset="-122"/>
+                <a:ea typeface="造字工房力黑（非商用）常规体" pitchFamily="2" charset="-122"/>
+              </a:rPr>
+              <a:t>id</a:t>
+            </a:r>
+          </a:p>
+          <a:p>
+            <a:r>
+              <a:rPr lang="zh-CN" altLang="en-US" sz="1100" dirty="0">
+                <a:latin typeface="造字工房力黑（非商用）常规体" pitchFamily="2" charset="-122"/>
+                <a:ea typeface="造字工房力黑（非商用）常规体" pitchFamily="2" charset="-122"/>
+              </a:rPr>
+              <a:t>播放量</a:t>
+            </a:r>
+            <a:endParaRPr lang="en-US" altLang="zh-CN" sz="1100" dirty="0">
+              <a:latin typeface="造字工房力黑（非商用）常规体" pitchFamily="2" charset="-122"/>
+              <a:ea typeface="造字工房力黑（非商用）常规体" pitchFamily="2" charset="-122"/>
+            </a:endParaRPr>
+          </a:p>
+        </p:txBody>
+      </p:sp>
+      <p:sp>
+        <p:nvSpPr>
+          <p:cNvPr id="31" name="文本框 30">
+            <a:extLst>
+              <a:ext uri="{FF2B5EF4-FFF2-40B4-BE49-F238E27FC236}">
+                <a16:creationId xmlns:a16="http://schemas.microsoft.com/office/drawing/2014/main" id="{48A58E4B-901C-4B1D-BAA9-44453A7C6B6D}"/>
+              </a:ext>
+            </a:extLst>
+          </p:cNvPr>
+          <p:cNvSpPr txBox="1"/>
+          <p:nvPr/>
+        </p:nvSpPr>
+        <p:spPr>
+          <a:xfrm>
+            <a:off x="6086077" y="1850840"/>
+            <a:ext cx="748923" cy="1107996"/>
+          </a:xfrm>
+          <a:prstGeom prst="rect">
+            <a:avLst/>
+          </a:prstGeom>
+          <a:noFill/>
+        </p:spPr>
+        <p:txBody>
+          <a:bodyPr wrap="none" rtlCol="0">
+            <a:spAutoFit/>
+          </a:bodyPr>
+          <a:lstStyle/>
+          <a:p>
+            <a:r>
+              <a:rPr lang="zh-CN" altLang="en-US" sz="1100" dirty="0">
+                <a:latin typeface="造字工房力黑（非商用）常规体" pitchFamily="2" charset="-122"/>
+                <a:ea typeface="造字工房力黑（非商用）常规体" pitchFamily="2" charset="-122"/>
+              </a:rPr>
+              <a:t>用户名</a:t>
+            </a:r>
+            <a:endParaRPr lang="en-US" altLang="zh-CN" sz="1100" dirty="0">
+              <a:latin typeface="造字工房力黑（非商用）常规体" pitchFamily="2" charset="-122"/>
+              <a:ea typeface="造字工房力黑（非商用）常规体" pitchFamily="2" charset="-122"/>
+            </a:endParaRPr>
+          </a:p>
+          <a:p>
+            <a:r>
+              <a:rPr lang="zh-CN" altLang="en-US" sz="1100" dirty="0">
+                <a:latin typeface="造字工房力黑（非商用）常规体" pitchFamily="2" charset="-122"/>
+                <a:ea typeface="造字工房力黑（非商用）常规体" pitchFamily="2" charset="-122"/>
+              </a:rPr>
+              <a:t>主题</a:t>
+            </a:r>
+            <a:endParaRPr lang="en-US" altLang="zh-CN" sz="1100" dirty="0">
+              <a:latin typeface="造字工房力黑（非商用）常规体" pitchFamily="2" charset="-122"/>
+              <a:ea typeface="造字工房力黑（非商用）常规体" pitchFamily="2" charset="-122"/>
+            </a:endParaRPr>
+          </a:p>
+          <a:p>
+            <a:r>
+              <a:rPr lang="zh-CN" altLang="en-US" sz="1100" dirty="0">
+                <a:latin typeface="造字工房力黑（非商用）常规体" pitchFamily="2" charset="-122"/>
+                <a:ea typeface="造字工房力黑（非商用）常规体" pitchFamily="2" charset="-122"/>
+              </a:rPr>
+              <a:t>发布时间</a:t>
+            </a:r>
+            <a:endParaRPr lang="en-US" altLang="zh-CN" sz="1100" dirty="0">
+              <a:latin typeface="造字工房力黑（非商用）常规体" pitchFamily="2" charset="-122"/>
+              <a:ea typeface="造字工房力黑（非商用）常规体" pitchFamily="2" charset="-122"/>
+            </a:endParaRPr>
+          </a:p>
+          <a:p>
+            <a:r>
+              <a:rPr lang="zh-CN" altLang="en-US" sz="1100" dirty="0">
+                <a:latin typeface="造字工房力黑（非商用）常规体" pitchFamily="2" charset="-122"/>
+                <a:ea typeface="造字工房力黑（非商用）常规体" pitchFamily="2" charset="-122"/>
+              </a:rPr>
+              <a:t>阅读</a:t>
+            </a:r>
+            <a:endParaRPr lang="en-US" altLang="zh-CN" sz="1100" dirty="0">
+              <a:latin typeface="造字工房力黑（非商用）常规体" pitchFamily="2" charset="-122"/>
+              <a:ea typeface="造字工房力黑（非商用）常规体" pitchFamily="2" charset="-122"/>
+            </a:endParaRPr>
+          </a:p>
+          <a:p>
+            <a:r>
+              <a:rPr lang="zh-CN" altLang="en-US" sz="1100" dirty="0">
+                <a:latin typeface="造字工房力黑（非商用）常规体" pitchFamily="2" charset="-122"/>
+                <a:ea typeface="造字工房力黑（非商用）常规体" pitchFamily="2" charset="-122"/>
+              </a:rPr>
+              <a:t>点赞</a:t>
+            </a:r>
+            <a:endParaRPr lang="en-US" altLang="zh-CN" sz="1100" dirty="0">
+              <a:latin typeface="造字工房力黑（非商用）常规体" pitchFamily="2" charset="-122"/>
+              <a:ea typeface="造字工房力黑（非商用）常规体" pitchFamily="2" charset="-122"/>
+            </a:endParaRPr>
+          </a:p>
+          <a:p>
+            <a:r>
+              <a:rPr lang="zh-CN" altLang="en-US" sz="1100" dirty="0">
+                <a:latin typeface="造字工房力黑（非商用）常规体" pitchFamily="2" charset="-122"/>
+                <a:ea typeface="造字工房力黑（非商用）常规体" pitchFamily="2" charset="-122"/>
+              </a:rPr>
+              <a:t>评论</a:t>
+            </a:r>
+            <a:endParaRPr lang="en-US" altLang="zh-CN" sz="1100" dirty="0">
+              <a:latin typeface="造字工房力黑（非商用）常规体" pitchFamily="2" charset="-122"/>
+              <a:ea typeface="造字工房力黑（非商用）常规体" pitchFamily="2" charset="-122"/>
+            </a:endParaRPr>
+          </a:p>
+        </p:txBody>
+      </p:sp>
+      <p:sp>
+        <p:nvSpPr>
+          <p:cNvPr id="32" name="文本框 31">
+            <a:extLst>
+              <a:ext uri="{FF2B5EF4-FFF2-40B4-BE49-F238E27FC236}">
+                <a16:creationId xmlns:a16="http://schemas.microsoft.com/office/drawing/2014/main" id="{7C103068-2263-4845-A2A4-CF1F593A6626}"/>
+              </a:ext>
+            </a:extLst>
+          </p:cNvPr>
+          <p:cNvSpPr txBox="1"/>
+          <p:nvPr/>
+        </p:nvSpPr>
+        <p:spPr>
+          <a:xfrm>
+            <a:off x="3344213" y="4489402"/>
+            <a:ext cx="466794" cy="261610"/>
+          </a:xfrm>
+          <a:prstGeom prst="rect">
+            <a:avLst/>
+          </a:prstGeom>
+          <a:noFill/>
+        </p:spPr>
+        <p:txBody>
+          <a:bodyPr wrap="none" rtlCol="0">
+            <a:spAutoFit/>
+          </a:bodyPr>
+          <a:lstStyle/>
+          <a:p>
+            <a:r>
+              <a:rPr lang="zh-CN" altLang="en-US" sz="1100" dirty="0">
+                <a:latin typeface="造字工房力黑（非商用）常规体" pitchFamily="2" charset="-122"/>
+                <a:ea typeface="造字工房力黑（非商用）常规体" pitchFamily="2" charset="-122"/>
+              </a:rPr>
+              <a:t>快手</a:t>
+            </a:r>
+            <a:endParaRPr lang="en-US" altLang="zh-CN" sz="1100" dirty="0">
+              <a:latin typeface="造字工房力黑（非商用）常规体" pitchFamily="2" charset="-122"/>
+              <a:ea typeface="造字工房力黑（非商用）常规体" pitchFamily="2" charset="-122"/>
+            </a:endParaRPr>
+          </a:p>
+        </p:txBody>
+      </p:sp>
+      <p:sp>
+        <p:nvSpPr>
+          <p:cNvPr id="33" name="文本框 32">
+            <a:extLst>
+              <a:ext uri="{FF2B5EF4-FFF2-40B4-BE49-F238E27FC236}">
+                <a16:creationId xmlns:a16="http://schemas.microsoft.com/office/drawing/2014/main" id="{BB0A7574-9879-4CCC-B0A1-717EBEDBEE86}"/>
+              </a:ext>
+            </a:extLst>
+          </p:cNvPr>
+          <p:cNvSpPr txBox="1"/>
+          <p:nvPr/>
+        </p:nvSpPr>
+        <p:spPr>
+          <a:xfrm>
+            <a:off x="8840762" y="1850840"/>
+            <a:ext cx="466794" cy="261610"/>
+          </a:xfrm>
+          <a:prstGeom prst="rect">
+            <a:avLst/>
+          </a:prstGeom>
+          <a:noFill/>
+        </p:spPr>
+        <p:txBody>
+          <a:bodyPr wrap="none" rtlCol="0">
+            <a:spAutoFit/>
+          </a:bodyPr>
+          <a:lstStyle/>
+          <a:p>
+            <a:r>
+              <a:rPr lang="zh-CN" altLang="en-US" sz="1100" dirty="0">
+                <a:latin typeface="造字工房力黑（非商用）常规体" pitchFamily="2" charset="-122"/>
+                <a:ea typeface="造字工房力黑（非商用）常规体" pitchFamily="2" charset="-122"/>
+              </a:rPr>
+              <a:t>头条</a:t>
+            </a:r>
+            <a:endParaRPr lang="en-US" altLang="zh-CN" sz="1100" dirty="0">
+              <a:latin typeface="造字工房力黑（非商用）常规体" pitchFamily="2" charset="-122"/>
+              <a:ea typeface="造字工房力黑（非商用）常规体" pitchFamily="2" charset="-122"/>
+            </a:endParaRPr>
+          </a:p>
+        </p:txBody>
+      </p:sp>
+      <p:sp>
+        <p:nvSpPr>
+          <p:cNvPr id="34" name="文本框 33">
+            <a:extLst>
+              <a:ext uri="{FF2B5EF4-FFF2-40B4-BE49-F238E27FC236}">
+                <a16:creationId xmlns:a16="http://schemas.microsoft.com/office/drawing/2014/main" id="{D68489ED-4C51-448A-A55D-671126D48AD9}"/>
+              </a:ext>
+            </a:extLst>
+          </p:cNvPr>
+          <p:cNvSpPr txBox="1"/>
+          <p:nvPr/>
+        </p:nvSpPr>
+        <p:spPr>
+          <a:xfrm>
+            <a:off x="8840762" y="4489402"/>
+            <a:ext cx="466794" cy="261610"/>
+          </a:xfrm>
+          <a:prstGeom prst="rect">
+            <a:avLst/>
+          </a:prstGeom>
+          <a:noFill/>
+        </p:spPr>
+        <p:txBody>
+          <a:bodyPr wrap="none" rtlCol="0">
+            <a:spAutoFit/>
+          </a:bodyPr>
+          <a:lstStyle/>
+          <a:p>
+            <a:r>
+              <a:rPr lang="zh-CN" altLang="en-US" sz="1100" dirty="0">
+                <a:latin typeface="造字工房力黑（非商用）常规体" pitchFamily="2" charset="-122"/>
+                <a:ea typeface="造字工房力黑（非商用）常规体" pitchFamily="2" charset="-122"/>
+              </a:rPr>
+              <a:t>优酷</a:t>
+            </a:r>
+            <a:endParaRPr lang="en-US" altLang="zh-CN" sz="1100" dirty="0">
+              <a:latin typeface="造字工房力黑（非商用）常规体" pitchFamily="2" charset="-122"/>
+              <a:ea typeface="造字工房力黑（非商用）常规体" pitchFamily="2" charset="-122"/>
+            </a:endParaRPr>
+          </a:p>
+        </p:txBody>
+      </p:sp>
+      <p:sp>
+        <p:nvSpPr>
+          <p:cNvPr id="35" name="文本框 34">
+            <a:extLst>
+              <a:ext uri="{FF2B5EF4-FFF2-40B4-BE49-F238E27FC236}">
+                <a16:creationId xmlns:a16="http://schemas.microsoft.com/office/drawing/2014/main" id="{A2AE63A7-BB1C-4413-86BF-050F00CF8D34}"/>
+              </a:ext>
+            </a:extLst>
+          </p:cNvPr>
+          <p:cNvSpPr txBox="1"/>
+          <p:nvPr/>
+        </p:nvSpPr>
+        <p:spPr>
+          <a:xfrm>
+            <a:off x="6191873" y="4489402"/>
+            <a:ext cx="466794" cy="261610"/>
+          </a:xfrm>
+          <a:prstGeom prst="rect">
+            <a:avLst/>
+          </a:prstGeom>
+          <a:noFill/>
+        </p:spPr>
+        <p:txBody>
+          <a:bodyPr wrap="none" rtlCol="0">
+            <a:spAutoFit/>
+          </a:bodyPr>
+          <a:lstStyle/>
+          <a:p>
+            <a:r>
+              <a:rPr lang="zh-CN" altLang="en-US" sz="1100" dirty="0">
+                <a:latin typeface="造字工房力黑（非商用）常规体" pitchFamily="2" charset="-122"/>
+                <a:ea typeface="造字工房力黑（非商用）常规体" pitchFamily="2" charset="-122"/>
+              </a:rPr>
+              <a:t>触手</a:t>
+            </a:r>
+            <a:endParaRPr lang="en-US" altLang="zh-CN" sz="1100" dirty="0">
+              <a:latin typeface="造字工房力黑（非商用）常规体" pitchFamily="2" charset="-122"/>
+              <a:ea typeface="造字工房力黑（非商用）常规体" pitchFamily="2" charset="-122"/>
+            </a:endParaRPr>
+          </a:p>
+        </p:txBody>
+      </p:sp>
+      <p:sp>
+        <p:nvSpPr>
+          <p:cNvPr id="36" name="文本框 35">
+            <a:extLst>
+              <a:ext uri="{FF2B5EF4-FFF2-40B4-BE49-F238E27FC236}">
+                <a16:creationId xmlns:a16="http://schemas.microsoft.com/office/drawing/2014/main" id="{C49033EE-DF44-4589-8D62-A7FD84676209}"/>
+              </a:ext>
+            </a:extLst>
+          </p:cNvPr>
+          <p:cNvSpPr txBox="1"/>
+          <p:nvPr/>
+        </p:nvSpPr>
+        <p:spPr>
+          <a:xfrm>
+            <a:off x="7516317" y="4489402"/>
+            <a:ext cx="466794" cy="261610"/>
+          </a:xfrm>
+          <a:prstGeom prst="rect">
+            <a:avLst/>
+          </a:prstGeom>
+          <a:noFill/>
+        </p:spPr>
+        <p:txBody>
+          <a:bodyPr wrap="none" rtlCol="0">
+            <a:spAutoFit/>
+          </a:bodyPr>
+          <a:lstStyle/>
+          <a:p>
+            <a:r>
+              <a:rPr lang="zh-CN" altLang="en-US" sz="1100">
+                <a:latin typeface="造字工房力黑（非商用）常规体" pitchFamily="2" charset="-122"/>
+                <a:ea typeface="造字工房力黑（非商用）常规体" pitchFamily="2" charset="-122"/>
+              </a:rPr>
+              <a:t>西瓜</a:t>
+            </a:r>
+            <a:endParaRPr lang="en-US" altLang="zh-CN" sz="1100" dirty="0">
               <a:latin typeface="造字工房力黑（非商用）常规体" pitchFamily="2" charset="-122"/>
               <a:ea typeface="造字工房力黑（非商用）常规体" pitchFamily="2" charset="-122"/>
             </a:endParaRPr>
@@ -27142,74 +27971,6 @@
 </file>
 
 <file path=ppt/slides/slide5.xml><?xml version="1.0" encoding="utf-8"?>
-<p:sld xmlns:a="http://schemas.openxmlformats.org/drawingml/2006/main" xmlns:r="http://schemas.openxmlformats.org/officeDocument/2006/relationships" xmlns:p="http://schemas.openxmlformats.org/presentationml/2006/main">
-  <p:cSld>
-    <p:spTree>
-      <p:nvGrpSpPr>
-        <p:cNvPr id="1" name=""/>
-        <p:cNvGrpSpPr/>
-        <p:nvPr/>
-      </p:nvGrpSpPr>
-      <p:grpSpPr>
-        <a:xfrm>
-          <a:off x="0" y="0"/>
-          <a:ext cx="0" cy="0"/>
-          <a:chOff x="0" y="0"/>
-          <a:chExt cx="0" cy="0"/>
-        </a:xfrm>
-      </p:grpSpPr>
-      <p:sp>
-        <p:nvSpPr>
-          <p:cNvPr id="2" name="文本框 1">
-            <a:extLst>
-              <a:ext uri="{FF2B5EF4-FFF2-40B4-BE49-F238E27FC236}">
-                <a16:creationId xmlns:a16="http://schemas.microsoft.com/office/drawing/2014/main" id="{4A5C8515-4D50-4C85-95EB-DE86B30123D9}"/>
-              </a:ext>
-            </a:extLst>
-          </p:cNvPr>
-          <p:cNvSpPr txBox="1"/>
-          <p:nvPr/>
-        </p:nvSpPr>
-        <p:spPr>
-          <a:xfrm>
-            <a:off x="695325" y="230485"/>
-            <a:ext cx="3570208" cy="461665"/>
-          </a:xfrm>
-          <a:prstGeom prst="rect">
-            <a:avLst/>
-          </a:prstGeom>
-          <a:noFill/>
-        </p:spPr>
-        <p:txBody>
-          <a:bodyPr wrap="none" rtlCol="0">
-            <a:spAutoFit/>
-          </a:bodyPr>
-          <a:lstStyle/>
-          <a:p>
-            <a:r>
-              <a:rPr lang="zh-CN" altLang="en-US" sz="2400" dirty="0">
-                <a:latin typeface="造字工房力黑（非商用）常规体" pitchFamily="2" charset="-122"/>
-                <a:ea typeface="造字工房力黑（非商用）常规体" pitchFamily="2" charset="-122"/>
-              </a:rPr>
-              <a:t>内部人力及设备摊销费用</a:t>
-            </a:r>
-          </a:p>
-        </p:txBody>
-      </p:sp>
-    </p:spTree>
-    <p:extLst>
-      <p:ext uri="{BB962C8B-B14F-4D97-AF65-F5344CB8AC3E}">
-        <p14:creationId xmlns:p14="http://schemas.microsoft.com/office/powerpoint/2010/main" val="3422300550"/>
-      </p:ext>
-    </p:extLst>
-  </p:cSld>
-  <p:clrMapOvr>
-    <a:masterClrMapping/>
-  </p:clrMapOvr>
-</p:sld>
-</file>
-
-<file path=ppt/slides/slide6.xml><?xml version="1.0" encoding="utf-8"?>
 <p:sld xmlns:a="http://schemas.openxmlformats.org/drawingml/2006/main" xmlns:r="http://schemas.openxmlformats.org/officeDocument/2006/relationships" xmlns:p="http://schemas.openxmlformats.org/presentationml/2006/main">
   <p:cSld>
     <p:spTree>
@@ -27421,7 +28182,7 @@
 </p:sld>
 </file>
 
-<file path=ppt/slides/slide7.xml><?xml version="1.0" encoding="utf-8"?>
+<file path=ppt/slides/slide6.xml><?xml version="1.0" encoding="utf-8"?>
 <p:sld xmlns:a="http://schemas.openxmlformats.org/drawingml/2006/main" xmlns:r="http://schemas.openxmlformats.org/officeDocument/2006/relationships" xmlns:p="http://schemas.openxmlformats.org/presentationml/2006/main">
   <p:cSld>
     <p:spTree>
@@ -28217,7 +28978,7 @@
 </p:sld>
 </file>
 
-<file path=ppt/slides/slide8.xml><?xml version="1.0" encoding="utf-8"?>
+<file path=ppt/slides/slide7.xml><?xml version="1.0" encoding="utf-8"?>
 <p:sld xmlns:a="http://schemas.openxmlformats.org/drawingml/2006/main" xmlns:r="http://schemas.openxmlformats.org/officeDocument/2006/relationships" xmlns:p="http://schemas.openxmlformats.org/presentationml/2006/main">
   <p:cSld>
     <p:spTree>
@@ -28543,7 +29304,7 @@
 </p:sld>
 </file>
 
-<file path=ppt/slides/slide9.xml><?xml version="1.0" encoding="utf-8"?>
+<file path=ppt/slides/slide8.xml><?xml version="1.0" encoding="utf-8"?>
 <p:sld xmlns:a="http://schemas.openxmlformats.org/drawingml/2006/main" xmlns:r="http://schemas.openxmlformats.org/officeDocument/2006/relationships" xmlns:p="http://schemas.openxmlformats.org/presentationml/2006/main">
   <p:cSld>
     <p:spTree>
@@ -32132,6 +32893,218 @@
 </p:sld>
 </file>
 
+<file path=ppt/slides/slide9.xml><?xml version="1.0" encoding="utf-8"?>
+<p:sld xmlns:a="http://schemas.openxmlformats.org/drawingml/2006/main" xmlns:r="http://schemas.openxmlformats.org/officeDocument/2006/relationships" xmlns:p="http://schemas.openxmlformats.org/presentationml/2006/main">
+  <p:cSld>
+    <p:spTree>
+      <p:nvGrpSpPr>
+        <p:cNvPr id="1" name=""/>
+        <p:cNvGrpSpPr/>
+        <p:nvPr/>
+      </p:nvGrpSpPr>
+      <p:grpSpPr>
+        <a:xfrm>
+          <a:off x="0" y="0"/>
+          <a:ext cx="0" cy="0"/>
+          <a:chOff x="0" y="0"/>
+          <a:chExt cx="0" cy="0"/>
+        </a:xfrm>
+      </p:grpSpPr>
+      <p:sp>
+        <p:nvSpPr>
+          <p:cNvPr id="2" name="文本框 1">
+            <a:extLst>
+              <a:ext uri="{FF2B5EF4-FFF2-40B4-BE49-F238E27FC236}">
+                <a16:creationId xmlns:a16="http://schemas.microsoft.com/office/drawing/2014/main" id="{B3F38BD9-1D12-44EA-BDBF-AF07D8AE97CC}"/>
+              </a:ext>
+            </a:extLst>
+          </p:cNvPr>
+          <p:cNvSpPr txBox="1"/>
+          <p:nvPr/>
+        </p:nvSpPr>
+        <p:spPr>
+          <a:xfrm>
+            <a:off x="3900195" y="1940767"/>
+            <a:ext cx="1497526" cy="1569660"/>
+          </a:xfrm>
+          <a:prstGeom prst="rect">
+            <a:avLst/>
+          </a:prstGeom>
+          <a:noFill/>
+        </p:spPr>
+        <p:txBody>
+          <a:bodyPr wrap="none" rtlCol="0">
+            <a:spAutoFit/>
+          </a:bodyPr>
+          <a:lstStyle/>
+          <a:p>
+            <a:r>
+              <a:rPr lang="en-US" altLang="zh-CN" sz="9600" dirty="0">
+                <a:solidFill>
+                  <a:schemeClr val="bg1"/>
+                </a:solidFill>
+                <a:latin typeface="Impact" panose="020B0806030902050204" pitchFamily="34" charset="0"/>
+              </a:rPr>
+              <a:t>03</a:t>
+            </a:r>
+          </a:p>
+        </p:txBody>
+      </p:sp>
+      <p:sp>
+        <p:nvSpPr>
+          <p:cNvPr id="3" name="文本框 2">
+            <a:extLst>
+              <a:ext uri="{FF2B5EF4-FFF2-40B4-BE49-F238E27FC236}">
+                <a16:creationId xmlns:a16="http://schemas.microsoft.com/office/drawing/2014/main" id="{721A70D5-C1CF-4547-8F3C-6CBCC8E47BEF}"/>
+              </a:ext>
+            </a:extLst>
+          </p:cNvPr>
+          <p:cNvSpPr txBox="1"/>
+          <p:nvPr/>
+        </p:nvSpPr>
+        <p:spPr>
+          <a:xfrm>
+            <a:off x="5738326" y="2217765"/>
+            <a:ext cx="3262432" cy="1015663"/>
+          </a:xfrm>
+          <a:prstGeom prst="rect">
+            <a:avLst/>
+          </a:prstGeom>
+          <a:noFill/>
+        </p:spPr>
+        <p:txBody>
+          <a:bodyPr wrap="none" rtlCol="0">
+            <a:spAutoFit/>
+          </a:bodyPr>
+          <a:lstStyle/>
+          <a:p>
+            <a:r>
+              <a:rPr lang="zh-CN" altLang="en-US" sz="6000" dirty="0">
+                <a:latin typeface="造字工房力黑（非商用）常规体" pitchFamily="2" charset="-122"/>
+                <a:ea typeface="造字工房力黑（非商用）常规体" pitchFamily="2" charset="-122"/>
+              </a:rPr>
+              <a:t>项目心得</a:t>
+            </a:r>
+          </a:p>
+        </p:txBody>
+      </p:sp>
+      <p:sp>
+        <p:nvSpPr>
+          <p:cNvPr id="4" name="矩形: 圆角 3">
+            <a:extLst>
+              <a:ext uri="{FF2B5EF4-FFF2-40B4-BE49-F238E27FC236}">
+                <a16:creationId xmlns:a16="http://schemas.microsoft.com/office/drawing/2014/main" id="{0C688A16-7C43-4E71-A474-E1538AFA7F39}"/>
+              </a:ext>
+            </a:extLst>
+          </p:cNvPr>
+          <p:cNvSpPr/>
+          <p:nvPr/>
+        </p:nvSpPr>
+        <p:spPr>
+          <a:xfrm rot="2700000">
+            <a:off x="9432507" y="3523726"/>
+            <a:ext cx="5201746" cy="4563892"/>
+          </a:xfrm>
+          <a:prstGeom prst="roundRect">
+            <a:avLst/>
+          </a:prstGeom>
+          <a:noFill/>
+          <a:ln w="28575">
+            <a:solidFill>
+              <a:srgbClr val="C00000"/>
+            </a:solidFill>
+          </a:ln>
+        </p:spPr>
+        <p:style>
+          <a:lnRef idx="2">
+            <a:schemeClr val="accent1">
+              <a:shade val="50000"/>
+            </a:schemeClr>
+          </a:lnRef>
+          <a:fillRef idx="1">
+            <a:schemeClr val="accent1"/>
+          </a:fillRef>
+          <a:effectRef idx="0">
+            <a:schemeClr val="accent1"/>
+          </a:effectRef>
+          <a:fontRef idx="minor">
+            <a:schemeClr val="lt1"/>
+          </a:fontRef>
+        </p:style>
+        <p:txBody>
+          <a:bodyPr rtlCol="0" anchor="ctr"/>
+          <a:lstStyle/>
+          <a:p>
+            <a:pPr algn="ctr"/>
+            <a:endParaRPr lang="zh-CN" altLang="en-US"/>
+          </a:p>
+        </p:txBody>
+      </p:sp>
+      <p:sp>
+        <p:nvSpPr>
+          <p:cNvPr id="5" name="矩形: 圆角 4">
+            <a:extLst>
+              <a:ext uri="{FF2B5EF4-FFF2-40B4-BE49-F238E27FC236}">
+                <a16:creationId xmlns:a16="http://schemas.microsoft.com/office/drawing/2014/main" id="{B9FB5DB0-8CDB-475D-93C4-166B57BE2A3D}"/>
+              </a:ext>
+            </a:extLst>
+          </p:cNvPr>
+          <p:cNvSpPr/>
+          <p:nvPr/>
+        </p:nvSpPr>
+        <p:spPr>
+          <a:xfrm rot="2700000">
+            <a:off x="9126040" y="5695321"/>
+            <a:ext cx="4093382" cy="3591439"/>
+          </a:xfrm>
+          <a:prstGeom prst="roundRect">
+            <a:avLst/>
+          </a:prstGeom>
+          <a:noFill/>
+          <a:ln w="28575">
+            <a:solidFill>
+              <a:srgbClr val="C00000"/>
+            </a:solidFill>
+          </a:ln>
+        </p:spPr>
+        <p:style>
+          <a:lnRef idx="2">
+            <a:schemeClr val="accent1">
+              <a:shade val="50000"/>
+            </a:schemeClr>
+          </a:lnRef>
+          <a:fillRef idx="1">
+            <a:schemeClr val="accent1"/>
+          </a:fillRef>
+          <a:effectRef idx="0">
+            <a:schemeClr val="accent1"/>
+          </a:effectRef>
+          <a:fontRef idx="minor">
+            <a:schemeClr val="lt1"/>
+          </a:fontRef>
+        </p:style>
+        <p:txBody>
+          <a:bodyPr rtlCol="0" anchor="ctr"/>
+          <a:lstStyle/>
+          <a:p>
+            <a:pPr algn="ctr"/>
+            <a:endParaRPr lang="zh-CN" altLang="en-US"/>
+          </a:p>
+        </p:txBody>
+      </p:sp>
+    </p:spTree>
+    <p:extLst>
+      <p:ext uri="{BB962C8B-B14F-4D97-AF65-F5344CB8AC3E}">
+        <p14:creationId xmlns:p14="http://schemas.microsoft.com/office/powerpoint/2010/main" val="1138946896"/>
+      </p:ext>
+    </p:extLst>
+  </p:cSld>
+  <p:clrMapOvr>
+    <a:masterClrMapping/>
+  </p:clrMapOvr>
+</p:sld>
+</file>
+
 <file path=ppt/theme/theme1.xml><?xml version="1.0" encoding="utf-8"?>
 <a:theme xmlns:a="http://schemas.openxmlformats.org/drawingml/2006/main" name="自定义设计方案">
   <a:themeElements>
